--- a/Layout/PMK01_Layout.pptx
+++ b/Layout/PMK01_Layout.pptx
@@ -9,6 +9,7 @@
     <p:sldId id="258" r:id="rId3"/>
     <p:sldId id="259" r:id="rId4"/>
     <p:sldId id="257" r:id="rId5"/>
+    <p:sldId id="260" r:id="rId6"/>
   </p:sldIdLst>
   <p:sldSz cx="12192000" cy="6858000"/>
   <p:notesSz cx="6858000" cy="9144000"/>
@@ -107,6 +108,11 @@
       </a:defRPr>
     </a:lvl9pPr>
   </p:defaultTextStyle>
+  <p:extLst>
+    <p:ext uri="{EFAFB233-063F-42B5-8137-9DF3F51BA10A}">
+      <p15:sldGuideLst xmlns:p15="http://schemas.microsoft.com/office/powerpoint/2012/main"/>
+    </p:ext>
+  </p:extLst>
 </p:presentation>
 </file>
 
@@ -259,7 +265,7 @@
           <a:p>
             <a:fld id="{EF74D64E-7CBF-445C-8CD4-1195CDF2BDFB}" type="datetimeFigureOut">
               <a:rPr lang="fr-CH" smtClean="0"/>
-              <a:t>03.05.2024</a:t>
+              <a:t>30.07.2024</a:t>
             </a:fld>
             <a:endParaRPr lang="fr-CH"/>
           </a:p>
@@ -459,7 +465,7 @@
           <a:p>
             <a:fld id="{EF74D64E-7CBF-445C-8CD4-1195CDF2BDFB}" type="datetimeFigureOut">
               <a:rPr lang="fr-CH" smtClean="0"/>
-              <a:t>03.05.2024</a:t>
+              <a:t>30.07.2024</a:t>
             </a:fld>
             <a:endParaRPr lang="fr-CH"/>
           </a:p>
@@ -669,7 +675,7 @@
           <a:p>
             <a:fld id="{EF74D64E-7CBF-445C-8CD4-1195CDF2BDFB}" type="datetimeFigureOut">
               <a:rPr lang="fr-CH" smtClean="0"/>
-              <a:t>03.05.2024</a:t>
+              <a:t>30.07.2024</a:t>
             </a:fld>
             <a:endParaRPr lang="fr-CH"/>
           </a:p>
@@ -869,7 +875,7 @@
           <a:p>
             <a:fld id="{EF74D64E-7CBF-445C-8CD4-1195CDF2BDFB}" type="datetimeFigureOut">
               <a:rPr lang="fr-CH" smtClean="0"/>
-              <a:t>03.05.2024</a:t>
+              <a:t>30.07.2024</a:t>
             </a:fld>
             <a:endParaRPr lang="fr-CH"/>
           </a:p>
@@ -1145,7 +1151,7 @@
           <a:p>
             <a:fld id="{EF74D64E-7CBF-445C-8CD4-1195CDF2BDFB}" type="datetimeFigureOut">
               <a:rPr lang="fr-CH" smtClean="0"/>
-              <a:t>03.05.2024</a:t>
+              <a:t>30.07.2024</a:t>
             </a:fld>
             <a:endParaRPr lang="fr-CH"/>
           </a:p>
@@ -1413,7 +1419,7 @@
           <a:p>
             <a:fld id="{EF74D64E-7CBF-445C-8CD4-1195CDF2BDFB}" type="datetimeFigureOut">
               <a:rPr lang="fr-CH" smtClean="0"/>
-              <a:t>03.05.2024</a:t>
+              <a:t>30.07.2024</a:t>
             </a:fld>
             <a:endParaRPr lang="fr-CH"/>
           </a:p>
@@ -1828,7 +1834,7 @@
           <a:p>
             <a:fld id="{EF74D64E-7CBF-445C-8CD4-1195CDF2BDFB}" type="datetimeFigureOut">
               <a:rPr lang="fr-CH" smtClean="0"/>
-              <a:t>03.05.2024</a:t>
+              <a:t>30.07.2024</a:t>
             </a:fld>
             <a:endParaRPr lang="fr-CH"/>
           </a:p>
@@ -1970,7 +1976,7 @@
           <a:p>
             <a:fld id="{EF74D64E-7CBF-445C-8CD4-1195CDF2BDFB}" type="datetimeFigureOut">
               <a:rPr lang="fr-CH" smtClean="0"/>
-              <a:t>03.05.2024</a:t>
+              <a:t>30.07.2024</a:t>
             </a:fld>
             <a:endParaRPr lang="fr-CH"/>
           </a:p>
@@ -2083,7 +2089,7 @@
           <a:p>
             <a:fld id="{EF74D64E-7CBF-445C-8CD4-1195CDF2BDFB}" type="datetimeFigureOut">
               <a:rPr lang="fr-CH" smtClean="0"/>
-              <a:t>03.05.2024</a:t>
+              <a:t>30.07.2024</a:t>
             </a:fld>
             <a:endParaRPr lang="fr-CH"/>
           </a:p>
@@ -2396,7 +2402,7 @@
           <a:p>
             <a:fld id="{EF74D64E-7CBF-445C-8CD4-1195CDF2BDFB}" type="datetimeFigureOut">
               <a:rPr lang="fr-CH" smtClean="0"/>
-              <a:t>03.05.2024</a:t>
+              <a:t>30.07.2024</a:t>
             </a:fld>
             <a:endParaRPr lang="fr-CH"/>
           </a:p>
@@ -2685,7 +2691,7 @@
           <a:p>
             <a:fld id="{EF74D64E-7CBF-445C-8CD4-1195CDF2BDFB}" type="datetimeFigureOut">
               <a:rPr lang="fr-CH" smtClean="0"/>
-              <a:t>03.05.2024</a:t>
+              <a:t>30.07.2024</a:t>
             </a:fld>
             <a:endParaRPr lang="fr-CH"/>
           </a:p>
@@ -2928,7 +2934,7 @@
           <a:p>
             <a:fld id="{EF74D64E-7CBF-445C-8CD4-1195CDF2BDFB}" type="datetimeFigureOut">
               <a:rPr lang="fr-CH" smtClean="0"/>
-              <a:t>03.05.2024</a:t>
+              <a:t>30.07.2024</a:t>
             </a:fld>
             <a:endParaRPr lang="fr-CH"/>
           </a:p>
@@ -8468,7 +8474,7 @@
           <a:p>
             <a:r>
               <a:rPr lang="fr-CH" dirty="0"/>
-              <a:t>y</a:t>
+              <a:t>&lt;</a:t>
             </a:r>
           </a:p>
         </p:txBody>
@@ -19681,6 +19687,4695 @@
     <p:extLst>
       <p:ext uri="{BB962C8B-B14F-4D97-AF65-F5344CB8AC3E}">
         <p14:creationId xmlns:p14="http://schemas.microsoft.com/office/powerpoint/2010/main" val="1131487852"/>
+      </p:ext>
+    </p:extLst>
+  </p:cSld>
+  <p:clrMapOvr>
+    <a:masterClrMapping/>
+  </p:clrMapOvr>
+</p:sld>
+</file>
+
+<file path=ppt/slides/slide5.xml><?xml version="1.0" encoding="utf-8"?>
+<p:sld xmlns:a="http://schemas.openxmlformats.org/drawingml/2006/main" xmlns:r="http://schemas.openxmlformats.org/officeDocument/2006/relationships" xmlns:p="http://schemas.openxmlformats.org/presentationml/2006/main">
+  <p:cSld>
+    <p:spTree>
+      <p:nvGrpSpPr>
+        <p:cNvPr id="1" name=""/>
+        <p:cNvGrpSpPr/>
+        <p:nvPr/>
+      </p:nvGrpSpPr>
+      <p:grpSpPr>
+        <a:xfrm>
+          <a:off x="0" y="0"/>
+          <a:ext cx="0" cy="0"/>
+          <a:chOff x="0" y="0"/>
+          <a:chExt cx="0" cy="0"/>
+        </a:xfrm>
+      </p:grpSpPr>
+      <p:pic>
+        <p:nvPicPr>
+          <p:cNvPr id="5" name="Image 4">
+            <a:extLst>
+              <a:ext uri="{FF2B5EF4-FFF2-40B4-BE49-F238E27FC236}">
+                <a16:creationId xmlns:a16="http://schemas.microsoft.com/office/drawing/2014/main" id="{FD41FCAA-9CD1-BDA7-BD4C-FB75C38A2B95}"/>
+              </a:ext>
+            </a:extLst>
+          </p:cNvPr>
+          <p:cNvPicPr>
+            <a:picLocks noChangeAspect="1"/>
+          </p:cNvPicPr>
+          <p:nvPr/>
+        </p:nvPicPr>
+        <p:blipFill>
+          <a:blip r:embed="rId2">
+            <a:extLst>
+              <a:ext uri="{BEBA8EAE-BF5A-486C-A8C5-ECC9F3942E4B}">
+                <a14:imgProps xmlns:a14="http://schemas.microsoft.com/office/drawing/2010/main">
+                  <a14:imgLayer r:embed="rId3">
+                    <a14:imgEffect>
+                      <a14:backgroundRemoval t="7700" b="94554" l="5279" r="96506">
+                        <a14:foregroundMark x1="11004" y1="17465" x2="9591" y2="62160"/>
+                        <a14:foregroundMark x1="9591" y1="62160" x2="18067" y2="74742"/>
+                        <a14:foregroundMark x1="18067" y1="74742" x2="25353" y2="77840"/>
+                        <a14:foregroundMark x1="27435" y1="82441" x2="21859" y2="80000"/>
+                        <a14:foregroundMark x1="21859" y1="80000" x2="21859" y2="80000"/>
+                        <a14:foregroundMark x1="5353" y1="69484" x2="6171" y2="56150"/>
+                        <a14:foregroundMark x1="27807" y1="13991" x2="55836" y2="7981"/>
+                        <a14:foregroundMark x1="81710" y1="10892" x2="92119" y2="12488"/>
+                        <a14:foregroundMark x1="92119" y1="12488" x2="94126" y2="24038"/>
+                        <a14:foregroundMark x1="94126" y1="24038" x2="89294" y2="40376"/>
+                        <a14:foregroundMark x1="90929" y1="82629" x2="84387" y2="88075"/>
+                        <a14:foregroundMark x1="84387" y1="88075" x2="81933" y2="88075"/>
+                        <a14:foregroundMark x1="90335" y1="93991" x2="87881" y2="94554"/>
+                        <a14:foregroundMark x1="93309" y1="85258" x2="94275" y2="80657"/>
+                        <a14:foregroundMark x1="96506" y1="26197" x2="96506" y2="26197"/>
+                        <a14:foregroundMark x1="78885" y1="25822" x2="78067" y2="26761"/>
+                        <a14:foregroundMark x1="78216" y1="44319" x2="77770" y2="41033"/>
+                        <a14:foregroundMark x1="78885" y1="57559" x2="78513" y2="56432"/>
+                        <a14:foregroundMark x1="78662" y1="73333" x2="78290" y2="72958"/>
+                      </a14:backgroundRemoval>
+                    </a14:imgEffect>
+                  </a14:imgLayer>
+                </a14:imgProps>
+              </a:ext>
+            </a:extLst>
+          </a:blip>
+          <a:stretch>
+            <a:fillRect/>
+          </a:stretch>
+        </p:blipFill>
+        <p:spPr>
+          <a:xfrm>
+            <a:off x="29826" y="1179552"/>
+            <a:ext cx="5890013" cy="4663839"/>
+          </a:xfrm>
+          <a:prstGeom prst="rect">
+            <a:avLst/>
+          </a:prstGeom>
+        </p:spPr>
+      </p:pic>
+      <p:pic>
+        <p:nvPicPr>
+          <p:cNvPr id="6" name="Image 5">
+            <a:extLst>
+              <a:ext uri="{FF2B5EF4-FFF2-40B4-BE49-F238E27FC236}">
+                <a16:creationId xmlns:a16="http://schemas.microsoft.com/office/drawing/2014/main" id="{27273EB4-0606-41CA-F11E-016758F013DB}"/>
+              </a:ext>
+            </a:extLst>
+          </p:cNvPr>
+          <p:cNvPicPr>
+            <a:picLocks noChangeAspect="1"/>
+          </p:cNvPicPr>
+          <p:nvPr/>
+        </p:nvPicPr>
+        <p:blipFill>
+          <a:blip r:embed="rId2">
+            <a:extLst>
+              <a:ext uri="{BEBA8EAE-BF5A-486C-A8C5-ECC9F3942E4B}">
+                <a14:imgProps xmlns:a14="http://schemas.microsoft.com/office/drawing/2010/main">
+                  <a14:imgLayer r:embed="rId3">
+                    <a14:imgEffect>
+                      <a14:backgroundRemoval t="7700" b="94554" l="5279" r="96506">
+                        <a14:foregroundMark x1="11004" y1="17465" x2="9591" y2="62160"/>
+                        <a14:foregroundMark x1="9591" y1="62160" x2="18067" y2="74742"/>
+                        <a14:foregroundMark x1="18067" y1="74742" x2="25353" y2="77840"/>
+                        <a14:foregroundMark x1="27435" y1="82441" x2="21859" y2="80000"/>
+                        <a14:foregroundMark x1="21859" y1="80000" x2="21859" y2="80000"/>
+                        <a14:foregroundMark x1="5353" y1="69484" x2="6171" y2="56150"/>
+                        <a14:foregroundMark x1="27807" y1="13991" x2="55836" y2="7981"/>
+                        <a14:foregroundMark x1="81710" y1="10892" x2="92119" y2="12488"/>
+                        <a14:foregroundMark x1="92119" y1="12488" x2="94126" y2="24038"/>
+                        <a14:foregroundMark x1="94126" y1="24038" x2="89294" y2="40376"/>
+                        <a14:foregroundMark x1="90929" y1="82629" x2="84387" y2="88075"/>
+                        <a14:foregroundMark x1="84387" y1="88075" x2="81933" y2="88075"/>
+                        <a14:foregroundMark x1="90335" y1="93991" x2="87881" y2="94554"/>
+                        <a14:foregroundMark x1="93309" y1="85258" x2="94275" y2="80657"/>
+                        <a14:foregroundMark x1="96506" y1="26197" x2="96506" y2="26197"/>
+                        <a14:foregroundMark x1="78885" y1="25822" x2="78067" y2="26761"/>
+                        <a14:foregroundMark x1="78216" y1="44319" x2="77770" y2="41033"/>
+                        <a14:foregroundMark x1="78885" y1="57559" x2="78513" y2="56432"/>
+                        <a14:foregroundMark x1="78662" y1="73333" x2="78290" y2="72958"/>
+                      </a14:backgroundRemoval>
+                    </a14:imgEffect>
+                  </a14:imgLayer>
+                </a14:imgProps>
+              </a:ext>
+            </a:extLst>
+          </a:blip>
+          <a:stretch>
+            <a:fillRect/>
+          </a:stretch>
+        </p:blipFill>
+        <p:spPr>
+          <a:xfrm flipH="1">
+            <a:off x="6074420" y="1179552"/>
+            <a:ext cx="5890013" cy="4663839"/>
+          </a:xfrm>
+          <a:prstGeom prst="rect">
+            <a:avLst/>
+          </a:prstGeom>
+        </p:spPr>
+      </p:pic>
+      <p:sp>
+        <p:nvSpPr>
+          <p:cNvPr id="8" name="ZoneTexte 7">
+            <a:extLst>
+              <a:ext uri="{FF2B5EF4-FFF2-40B4-BE49-F238E27FC236}">
+                <a16:creationId xmlns:a16="http://schemas.microsoft.com/office/drawing/2014/main" id="{57F65D78-0612-239B-82C6-47058B28ED7F}"/>
+              </a:ext>
+            </a:extLst>
+          </p:cNvPr>
+          <p:cNvSpPr txBox="1"/>
+          <p:nvPr/>
+        </p:nvSpPr>
+        <p:spPr>
+          <a:xfrm>
+            <a:off x="259308" y="1849271"/>
+            <a:ext cx="627797" cy="369332"/>
+          </a:xfrm>
+          <a:prstGeom prst="rect">
+            <a:avLst/>
+          </a:prstGeom>
+          <a:noFill/>
+        </p:spPr>
+        <p:txBody>
+          <a:bodyPr wrap="square" rtlCol="0">
+            <a:spAutoFit/>
+          </a:bodyPr>
+          <a:lstStyle/>
+          <a:p>
+            <a:r>
+              <a:rPr lang="fr-CH" dirty="0"/>
+              <a:t>Esc</a:t>
+            </a:r>
+          </a:p>
+        </p:txBody>
+      </p:sp>
+      <p:sp>
+        <p:nvSpPr>
+          <p:cNvPr id="12" name="ZoneTexte 11">
+            <a:extLst>
+              <a:ext uri="{FF2B5EF4-FFF2-40B4-BE49-F238E27FC236}">
+                <a16:creationId xmlns:a16="http://schemas.microsoft.com/office/drawing/2014/main" id="{58B6BFE0-1427-8FE1-1AB9-856C8F98D860}"/>
+              </a:ext>
+            </a:extLst>
+          </p:cNvPr>
+          <p:cNvSpPr txBox="1"/>
+          <p:nvPr/>
+        </p:nvSpPr>
+        <p:spPr>
+          <a:xfrm>
+            <a:off x="227566" y="2588038"/>
+            <a:ext cx="627797" cy="369332"/>
+          </a:xfrm>
+          <a:prstGeom prst="rect">
+            <a:avLst/>
+          </a:prstGeom>
+          <a:noFill/>
+        </p:spPr>
+        <p:txBody>
+          <a:bodyPr wrap="square" rtlCol="0">
+            <a:spAutoFit/>
+          </a:bodyPr>
+          <a:lstStyle/>
+          <a:p>
+            <a:r>
+              <a:rPr lang="fr-CH" dirty="0"/>
+              <a:t>Tab</a:t>
+            </a:r>
+          </a:p>
+        </p:txBody>
+      </p:sp>
+      <p:sp>
+        <p:nvSpPr>
+          <p:cNvPr id="13" name="ZoneTexte 12">
+            <a:extLst>
+              <a:ext uri="{FF2B5EF4-FFF2-40B4-BE49-F238E27FC236}">
+                <a16:creationId xmlns:a16="http://schemas.microsoft.com/office/drawing/2014/main" id="{E9F55813-864B-774A-FD51-9E2B849575DE}"/>
+              </a:ext>
+            </a:extLst>
+          </p:cNvPr>
+          <p:cNvSpPr txBox="1"/>
+          <p:nvPr/>
+        </p:nvSpPr>
+        <p:spPr>
+          <a:xfrm>
+            <a:off x="195826" y="3326805"/>
+            <a:ext cx="712701" cy="369332"/>
+          </a:xfrm>
+          <a:prstGeom prst="rect">
+            <a:avLst/>
+          </a:prstGeom>
+          <a:noFill/>
+        </p:spPr>
+        <p:txBody>
+          <a:bodyPr wrap="square" rtlCol="0">
+            <a:spAutoFit/>
+          </a:bodyPr>
+          <a:lstStyle/>
+          <a:p>
+            <a:r>
+              <a:rPr lang="fr-CH" dirty="0"/>
+              <a:t>Caps</a:t>
+            </a:r>
+          </a:p>
+        </p:txBody>
+      </p:sp>
+      <p:sp>
+        <p:nvSpPr>
+          <p:cNvPr id="14" name="ZoneTexte 13">
+            <a:extLst>
+              <a:ext uri="{FF2B5EF4-FFF2-40B4-BE49-F238E27FC236}">
+                <a16:creationId xmlns:a16="http://schemas.microsoft.com/office/drawing/2014/main" id="{66177EEE-0604-A543-8492-BD0EE5A77257}"/>
+              </a:ext>
+            </a:extLst>
+          </p:cNvPr>
+          <p:cNvSpPr txBox="1"/>
+          <p:nvPr/>
+        </p:nvSpPr>
+        <p:spPr>
+          <a:xfrm>
+            <a:off x="227567" y="4065572"/>
+            <a:ext cx="659538" cy="369332"/>
+          </a:xfrm>
+          <a:prstGeom prst="rect">
+            <a:avLst/>
+          </a:prstGeom>
+          <a:noFill/>
+        </p:spPr>
+        <p:txBody>
+          <a:bodyPr wrap="square" rtlCol="0">
+            <a:spAutoFit/>
+          </a:bodyPr>
+          <a:lstStyle/>
+          <a:p>
+            <a:r>
+              <a:rPr lang="fr-CH" dirty="0"/>
+              <a:t>Shift</a:t>
+            </a:r>
+          </a:p>
+        </p:txBody>
+      </p:sp>
+      <p:sp>
+        <p:nvSpPr>
+          <p:cNvPr id="15" name="ZoneTexte 14">
+            <a:extLst>
+              <a:ext uri="{FF2B5EF4-FFF2-40B4-BE49-F238E27FC236}">
+                <a16:creationId xmlns:a16="http://schemas.microsoft.com/office/drawing/2014/main" id="{1FA5F35A-C14F-15A3-DBF2-3A1657D4E1E5}"/>
+              </a:ext>
+            </a:extLst>
+          </p:cNvPr>
+          <p:cNvSpPr txBox="1"/>
+          <p:nvPr/>
+        </p:nvSpPr>
+        <p:spPr>
+          <a:xfrm>
+            <a:off x="1009944" y="1849271"/>
+            <a:ext cx="627797" cy="369332"/>
+          </a:xfrm>
+          <a:prstGeom prst="rect">
+            <a:avLst/>
+          </a:prstGeom>
+          <a:noFill/>
+        </p:spPr>
+        <p:txBody>
+          <a:bodyPr wrap="square" rtlCol="0">
+            <a:spAutoFit/>
+          </a:bodyPr>
+          <a:lstStyle/>
+          <a:p>
+            <a:r>
+              <a:rPr lang="fr-CH" dirty="0"/>
+              <a:t>1</a:t>
+            </a:r>
+          </a:p>
+        </p:txBody>
+      </p:sp>
+      <p:sp>
+        <p:nvSpPr>
+          <p:cNvPr id="16" name="ZoneTexte 15">
+            <a:extLst>
+              <a:ext uri="{FF2B5EF4-FFF2-40B4-BE49-F238E27FC236}">
+                <a16:creationId xmlns:a16="http://schemas.microsoft.com/office/drawing/2014/main" id="{8757F049-E69D-3392-0E0D-842ACE943B12}"/>
+              </a:ext>
+            </a:extLst>
+          </p:cNvPr>
+          <p:cNvSpPr txBox="1"/>
+          <p:nvPr/>
+        </p:nvSpPr>
+        <p:spPr>
+          <a:xfrm>
+            <a:off x="978202" y="2588038"/>
+            <a:ext cx="627797" cy="369332"/>
+          </a:xfrm>
+          <a:prstGeom prst="rect">
+            <a:avLst/>
+          </a:prstGeom>
+          <a:noFill/>
+        </p:spPr>
+        <p:txBody>
+          <a:bodyPr wrap="square" rtlCol="0">
+            <a:spAutoFit/>
+          </a:bodyPr>
+          <a:lstStyle/>
+          <a:p>
+            <a:r>
+              <a:rPr lang="fr-CH" dirty="0"/>
+              <a:t>q</a:t>
+            </a:r>
+          </a:p>
+        </p:txBody>
+      </p:sp>
+      <p:sp>
+        <p:nvSpPr>
+          <p:cNvPr id="17" name="ZoneTexte 16">
+            <a:extLst>
+              <a:ext uri="{FF2B5EF4-FFF2-40B4-BE49-F238E27FC236}">
+                <a16:creationId xmlns:a16="http://schemas.microsoft.com/office/drawing/2014/main" id="{9F543DDF-7482-743A-B1BB-B3DAF3E842DC}"/>
+              </a:ext>
+            </a:extLst>
+          </p:cNvPr>
+          <p:cNvSpPr txBox="1"/>
+          <p:nvPr/>
+        </p:nvSpPr>
+        <p:spPr>
+          <a:xfrm>
+            <a:off x="978203" y="3326805"/>
+            <a:ext cx="627797" cy="369332"/>
+          </a:xfrm>
+          <a:prstGeom prst="rect">
+            <a:avLst/>
+          </a:prstGeom>
+          <a:noFill/>
+        </p:spPr>
+        <p:txBody>
+          <a:bodyPr wrap="square" rtlCol="0">
+            <a:spAutoFit/>
+          </a:bodyPr>
+          <a:lstStyle/>
+          <a:p>
+            <a:r>
+              <a:rPr lang="fr-CH" dirty="0"/>
+              <a:t>a</a:t>
+            </a:r>
+          </a:p>
+        </p:txBody>
+      </p:sp>
+      <p:sp>
+        <p:nvSpPr>
+          <p:cNvPr id="18" name="ZoneTexte 17">
+            <a:extLst>
+              <a:ext uri="{FF2B5EF4-FFF2-40B4-BE49-F238E27FC236}">
+                <a16:creationId xmlns:a16="http://schemas.microsoft.com/office/drawing/2014/main" id="{95C1E566-EE86-E5FD-DD17-8EA40CE4B7B1}"/>
+              </a:ext>
+            </a:extLst>
+          </p:cNvPr>
+          <p:cNvSpPr txBox="1"/>
+          <p:nvPr/>
+        </p:nvSpPr>
+        <p:spPr>
+          <a:xfrm>
+            <a:off x="1009943" y="4065572"/>
+            <a:ext cx="627797" cy="369332"/>
+          </a:xfrm>
+          <a:prstGeom prst="rect">
+            <a:avLst/>
+          </a:prstGeom>
+          <a:noFill/>
+        </p:spPr>
+        <p:txBody>
+          <a:bodyPr wrap="square" rtlCol="0">
+            <a:spAutoFit/>
+          </a:bodyPr>
+          <a:lstStyle/>
+          <a:p>
+            <a:r>
+              <a:rPr lang="fr-CH" dirty="0"/>
+              <a:t>y</a:t>
+            </a:r>
+          </a:p>
+        </p:txBody>
+      </p:sp>
+      <p:sp>
+        <p:nvSpPr>
+          <p:cNvPr id="19" name="ZoneTexte 18">
+            <a:extLst>
+              <a:ext uri="{FF2B5EF4-FFF2-40B4-BE49-F238E27FC236}">
+                <a16:creationId xmlns:a16="http://schemas.microsoft.com/office/drawing/2014/main" id="{167EABA5-B746-321C-AEA8-C5F9AD19CC66}"/>
+              </a:ext>
+            </a:extLst>
+          </p:cNvPr>
+          <p:cNvSpPr txBox="1"/>
+          <p:nvPr/>
+        </p:nvSpPr>
+        <p:spPr>
+          <a:xfrm>
+            <a:off x="1728838" y="1664605"/>
+            <a:ext cx="627797" cy="369332"/>
+          </a:xfrm>
+          <a:prstGeom prst="rect">
+            <a:avLst/>
+          </a:prstGeom>
+          <a:noFill/>
+        </p:spPr>
+        <p:txBody>
+          <a:bodyPr wrap="square" rtlCol="0">
+            <a:spAutoFit/>
+          </a:bodyPr>
+          <a:lstStyle/>
+          <a:p>
+            <a:r>
+              <a:rPr lang="fr-CH" dirty="0"/>
+              <a:t>2</a:t>
+            </a:r>
+          </a:p>
+        </p:txBody>
+      </p:sp>
+      <p:sp>
+        <p:nvSpPr>
+          <p:cNvPr id="20" name="ZoneTexte 19">
+            <a:extLst>
+              <a:ext uri="{FF2B5EF4-FFF2-40B4-BE49-F238E27FC236}">
+                <a16:creationId xmlns:a16="http://schemas.microsoft.com/office/drawing/2014/main" id="{BD97F125-9162-CC51-81D5-1A0458DCF416}"/>
+              </a:ext>
+            </a:extLst>
+          </p:cNvPr>
+          <p:cNvSpPr txBox="1"/>
+          <p:nvPr/>
+        </p:nvSpPr>
+        <p:spPr>
+          <a:xfrm>
+            <a:off x="1697096" y="2403372"/>
+            <a:ext cx="627797" cy="369332"/>
+          </a:xfrm>
+          <a:prstGeom prst="rect">
+            <a:avLst/>
+          </a:prstGeom>
+          <a:noFill/>
+        </p:spPr>
+        <p:txBody>
+          <a:bodyPr wrap="square" rtlCol="0">
+            <a:spAutoFit/>
+          </a:bodyPr>
+          <a:lstStyle/>
+          <a:p>
+            <a:r>
+              <a:rPr lang="fr-CH" dirty="0"/>
+              <a:t>w</a:t>
+            </a:r>
+          </a:p>
+        </p:txBody>
+      </p:sp>
+      <p:sp>
+        <p:nvSpPr>
+          <p:cNvPr id="21" name="ZoneTexte 20">
+            <a:extLst>
+              <a:ext uri="{FF2B5EF4-FFF2-40B4-BE49-F238E27FC236}">
+                <a16:creationId xmlns:a16="http://schemas.microsoft.com/office/drawing/2014/main" id="{29D32534-431F-65BE-5A6C-C447404A7980}"/>
+              </a:ext>
+            </a:extLst>
+          </p:cNvPr>
+          <p:cNvSpPr txBox="1"/>
+          <p:nvPr/>
+        </p:nvSpPr>
+        <p:spPr>
+          <a:xfrm>
+            <a:off x="1697097" y="3142139"/>
+            <a:ext cx="627797" cy="369332"/>
+          </a:xfrm>
+          <a:prstGeom prst="rect">
+            <a:avLst/>
+          </a:prstGeom>
+          <a:noFill/>
+        </p:spPr>
+        <p:txBody>
+          <a:bodyPr wrap="square" rtlCol="0">
+            <a:spAutoFit/>
+          </a:bodyPr>
+          <a:lstStyle/>
+          <a:p>
+            <a:r>
+              <a:rPr lang="fr-CH" dirty="0"/>
+              <a:t>s</a:t>
+            </a:r>
+          </a:p>
+        </p:txBody>
+      </p:sp>
+      <p:sp>
+        <p:nvSpPr>
+          <p:cNvPr id="22" name="ZoneTexte 21">
+            <a:extLst>
+              <a:ext uri="{FF2B5EF4-FFF2-40B4-BE49-F238E27FC236}">
+                <a16:creationId xmlns:a16="http://schemas.microsoft.com/office/drawing/2014/main" id="{E907E1B7-69B6-D936-1538-994A81B66CD4}"/>
+              </a:ext>
+            </a:extLst>
+          </p:cNvPr>
+          <p:cNvSpPr txBox="1"/>
+          <p:nvPr/>
+        </p:nvSpPr>
+        <p:spPr>
+          <a:xfrm>
+            <a:off x="1728837" y="3880906"/>
+            <a:ext cx="627797" cy="369332"/>
+          </a:xfrm>
+          <a:prstGeom prst="rect">
+            <a:avLst/>
+          </a:prstGeom>
+          <a:noFill/>
+        </p:spPr>
+        <p:txBody>
+          <a:bodyPr wrap="square" rtlCol="0">
+            <a:spAutoFit/>
+          </a:bodyPr>
+          <a:lstStyle/>
+          <a:p>
+            <a:r>
+              <a:rPr lang="fr-CH" dirty="0"/>
+              <a:t>x</a:t>
+            </a:r>
+          </a:p>
+        </p:txBody>
+      </p:sp>
+      <p:sp>
+        <p:nvSpPr>
+          <p:cNvPr id="23" name="ZoneTexte 22">
+            <a:extLst>
+              <a:ext uri="{FF2B5EF4-FFF2-40B4-BE49-F238E27FC236}">
+                <a16:creationId xmlns:a16="http://schemas.microsoft.com/office/drawing/2014/main" id="{F1315C13-FF77-595B-5EE8-ED046D124576}"/>
+              </a:ext>
+            </a:extLst>
+          </p:cNvPr>
+          <p:cNvSpPr txBox="1"/>
+          <p:nvPr/>
+        </p:nvSpPr>
+        <p:spPr>
+          <a:xfrm>
+            <a:off x="2479474" y="1564160"/>
+            <a:ext cx="627797" cy="369332"/>
+          </a:xfrm>
+          <a:prstGeom prst="rect">
+            <a:avLst/>
+          </a:prstGeom>
+          <a:noFill/>
+        </p:spPr>
+        <p:txBody>
+          <a:bodyPr wrap="square" rtlCol="0">
+            <a:spAutoFit/>
+          </a:bodyPr>
+          <a:lstStyle/>
+          <a:p>
+            <a:r>
+              <a:rPr lang="fr-CH" dirty="0"/>
+              <a:t>3</a:t>
+            </a:r>
+          </a:p>
+        </p:txBody>
+      </p:sp>
+      <p:sp>
+        <p:nvSpPr>
+          <p:cNvPr id="24" name="ZoneTexte 23">
+            <a:extLst>
+              <a:ext uri="{FF2B5EF4-FFF2-40B4-BE49-F238E27FC236}">
+                <a16:creationId xmlns:a16="http://schemas.microsoft.com/office/drawing/2014/main" id="{F55BC870-12F3-076E-1CE6-580272FE0DBC}"/>
+              </a:ext>
+            </a:extLst>
+          </p:cNvPr>
+          <p:cNvSpPr txBox="1"/>
+          <p:nvPr/>
+        </p:nvSpPr>
+        <p:spPr>
+          <a:xfrm>
+            <a:off x="2447732" y="2302927"/>
+            <a:ext cx="627797" cy="369332"/>
+          </a:xfrm>
+          <a:prstGeom prst="rect">
+            <a:avLst/>
+          </a:prstGeom>
+          <a:noFill/>
+        </p:spPr>
+        <p:txBody>
+          <a:bodyPr wrap="square" rtlCol="0">
+            <a:spAutoFit/>
+          </a:bodyPr>
+          <a:lstStyle/>
+          <a:p>
+            <a:r>
+              <a:rPr lang="fr-CH" dirty="0"/>
+              <a:t>e</a:t>
+            </a:r>
+          </a:p>
+        </p:txBody>
+      </p:sp>
+      <p:sp>
+        <p:nvSpPr>
+          <p:cNvPr id="25" name="ZoneTexte 24">
+            <a:extLst>
+              <a:ext uri="{FF2B5EF4-FFF2-40B4-BE49-F238E27FC236}">
+                <a16:creationId xmlns:a16="http://schemas.microsoft.com/office/drawing/2014/main" id="{B683A611-3267-92BD-F6C9-49D5804F6ADA}"/>
+              </a:ext>
+            </a:extLst>
+          </p:cNvPr>
+          <p:cNvSpPr txBox="1"/>
+          <p:nvPr/>
+        </p:nvSpPr>
+        <p:spPr>
+          <a:xfrm>
+            <a:off x="2447733" y="3041694"/>
+            <a:ext cx="627797" cy="369332"/>
+          </a:xfrm>
+          <a:prstGeom prst="rect">
+            <a:avLst/>
+          </a:prstGeom>
+          <a:noFill/>
+        </p:spPr>
+        <p:txBody>
+          <a:bodyPr wrap="square" rtlCol="0">
+            <a:spAutoFit/>
+          </a:bodyPr>
+          <a:lstStyle/>
+          <a:p>
+            <a:r>
+              <a:rPr lang="fr-CH" dirty="0"/>
+              <a:t>d</a:t>
+            </a:r>
+          </a:p>
+        </p:txBody>
+      </p:sp>
+      <p:sp>
+        <p:nvSpPr>
+          <p:cNvPr id="26" name="ZoneTexte 25">
+            <a:extLst>
+              <a:ext uri="{FF2B5EF4-FFF2-40B4-BE49-F238E27FC236}">
+                <a16:creationId xmlns:a16="http://schemas.microsoft.com/office/drawing/2014/main" id="{6BCF7D3C-72B2-6201-11DB-F6AB55B1E486}"/>
+              </a:ext>
+            </a:extLst>
+          </p:cNvPr>
+          <p:cNvSpPr txBox="1"/>
+          <p:nvPr/>
+        </p:nvSpPr>
+        <p:spPr>
+          <a:xfrm>
+            <a:off x="2479473" y="3780461"/>
+            <a:ext cx="627797" cy="369332"/>
+          </a:xfrm>
+          <a:prstGeom prst="rect">
+            <a:avLst/>
+          </a:prstGeom>
+          <a:noFill/>
+        </p:spPr>
+        <p:txBody>
+          <a:bodyPr wrap="square" rtlCol="0">
+            <a:spAutoFit/>
+          </a:bodyPr>
+          <a:lstStyle/>
+          <a:p>
+            <a:r>
+              <a:rPr lang="fr-CH" dirty="0"/>
+              <a:t>c</a:t>
+            </a:r>
+          </a:p>
+        </p:txBody>
+      </p:sp>
+      <p:sp>
+        <p:nvSpPr>
+          <p:cNvPr id="31" name="ZoneTexte 30">
+            <a:extLst>
+              <a:ext uri="{FF2B5EF4-FFF2-40B4-BE49-F238E27FC236}">
+                <a16:creationId xmlns:a16="http://schemas.microsoft.com/office/drawing/2014/main" id="{FA26D470-DD24-AE42-6012-E3E687DEFDFB}"/>
+              </a:ext>
+            </a:extLst>
+          </p:cNvPr>
+          <p:cNvSpPr txBox="1"/>
+          <p:nvPr/>
+        </p:nvSpPr>
+        <p:spPr>
+          <a:xfrm>
+            <a:off x="3204734" y="1670621"/>
+            <a:ext cx="627797" cy="369332"/>
+          </a:xfrm>
+          <a:prstGeom prst="rect">
+            <a:avLst/>
+          </a:prstGeom>
+          <a:noFill/>
+        </p:spPr>
+        <p:txBody>
+          <a:bodyPr wrap="square" rtlCol="0">
+            <a:spAutoFit/>
+          </a:bodyPr>
+          <a:lstStyle/>
+          <a:p>
+            <a:r>
+              <a:rPr lang="fr-CH" dirty="0"/>
+              <a:t>4</a:t>
+            </a:r>
+          </a:p>
+        </p:txBody>
+      </p:sp>
+      <p:sp>
+        <p:nvSpPr>
+          <p:cNvPr id="32" name="ZoneTexte 31">
+            <a:extLst>
+              <a:ext uri="{FF2B5EF4-FFF2-40B4-BE49-F238E27FC236}">
+                <a16:creationId xmlns:a16="http://schemas.microsoft.com/office/drawing/2014/main" id="{8E3F006E-8F6D-094A-FEBA-00471AD1FC54}"/>
+              </a:ext>
+            </a:extLst>
+          </p:cNvPr>
+          <p:cNvSpPr txBox="1"/>
+          <p:nvPr/>
+        </p:nvSpPr>
+        <p:spPr>
+          <a:xfrm>
+            <a:off x="3172992" y="2409388"/>
+            <a:ext cx="627797" cy="369332"/>
+          </a:xfrm>
+          <a:prstGeom prst="rect">
+            <a:avLst/>
+          </a:prstGeom>
+          <a:noFill/>
+        </p:spPr>
+        <p:txBody>
+          <a:bodyPr wrap="square" rtlCol="0">
+            <a:spAutoFit/>
+          </a:bodyPr>
+          <a:lstStyle/>
+          <a:p>
+            <a:r>
+              <a:rPr lang="fr-CH" dirty="0"/>
+              <a:t>r</a:t>
+            </a:r>
+          </a:p>
+        </p:txBody>
+      </p:sp>
+      <p:sp>
+        <p:nvSpPr>
+          <p:cNvPr id="33" name="ZoneTexte 32">
+            <a:extLst>
+              <a:ext uri="{FF2B5EF4-FFF2-40B4-BE49-F238E27FC236}">
+                <a16:creationId xmlns:a16="http://schemas.microsoft.com/office/drawing/2014/main" id="{5028062C-4740-A086-C71F-C087B324454B}"/>
+              </a:ext>
+            </a:extLst>
+          </p:cNvPr>
+          <p:cNvSpPr txBox="1"/>
+          <p:nvPr/>
+        </p:nvSpPr>
+        <p:spPr>
+          <a:xfrm>
+            <a:off x="3172993" y="3148155"/>
+            <a:ext cx="627797" cy="369332"/>
+          </a:xfrm>
+          <a:prstGeom prst="rect">
+            <a:avLst/>
+          </a:prstGeom>
+          <a:noFill/>
+        </p:spPr>
+        <p:txBody>
+          <a:bodyPr wrap="square" rtlCol="0">
+            <a:spAutoFit/>
+          </a:bodyPr>
+          <a:lstStyle/>
+          <a:p>
+            <a:r>
+              <a:rPr lang="fr-CH" dirty="0"/>
+              <a:t>f</a:t>
+            </a:r>
+          </a:p>
+        </p:txBody>
+      </p:sp>
+      <p:sp>
+        <p:nvSpPr>
+          <p:cNvPr id="34" name="ZoneTexte 33">
+            <a:extLst>
+              <a:ext uri="{FF2B5EF4-FFF2-40B4-BE49-F238E27FC236}">
+                <a16:creationId xmlns:a16="http://schemas.microsoft.com/office/drawing/2014/main" id="{CCBEA83C-6247-0619-4500-FA7E86B43FD9}"/>
+              </a:ext>
+            </a:extLst>
+          </p:cNvPr>
+          <p:cNvSpPr txBox="1"/>
+          <p:nvPr/>
+        </p:nvSpPr>
+        <p:spPr>
+          <a:xfrm>
+            <a:off x="3204733" y="3886922"/>
+            <a:ext cx="627797" cy="369332"/>
+          </a:xfrm>
+          <a:prstGeom prst="rect">
+            <a:avLst/>
+          </a:prstGeom>
+          <a:noFill/>
+        </p:spPr>
+        <p:txBody>
+          <a:bodyPr wrap="square" rtlCol="0">
+            <a:spAutoFit/>
+          </a:bodyPr>
+          <a:lstStyle/>
+          <a:p>
+            <a:r>
+              <a:rPr lang="fr-CH" dirty="0"/>
+              <a:t>v</a:t>
+            </a:r>
+          </a:p>
+        </p:txBody>
+      </p:sp>
+      <p:sp>
+        <p:nvSpPr>
+          <p:cNvPr id="35" name="ZoneTexte 34">
+            <a:extLst>
+              <a:ext uri="{FF2B5EF4-FFF2-40B4-BE49-F238E27FC236}">
+                <a16:creationId xmlns:a16="http://schemas.microsoft.com/office/drawing/2014/main" id="{EA9BEA1D-F703-188A-7B42-056D77FD3EAF}"/>
+              </a:ext>
+            </a:extLst>
+          </p:cNvPr>
+          <p:cNvSpPr txBox="1"/>
+          <p:nvPr/>
+        </p:nvSpPr>
+        <p:spPr>
+          <a:xfrm>
+            <a:off x="3943687" y="1772890"/>
+            <a:ext cx="627797" cy="369332"/>
+          </a:xfrm>
+          <a:prstGeom prst="rect">
+            <a:avLst/>
+          </a:prstGeom>
+          <a:noFill/>
+        </p:spPr>
+        <p:txBody>
+          <a:bodyPr wrap="square" rtlCol="0">
+            <a:spAutoFit/>
+          </a:bodyPr>
+          <a:lstStyle/>
+          <a:p>
+            <a:r>
+              <a:rPr lang="fr-CH" dirty="0"/>
+              <a:t>5</a:t>
+            </a:r>
+          </a:p>
+        </p:txBody>
+      </p:sp>
+      <p:sp>
+        <p:nvSpPr>
+          <p:cNvPr id="36" name="ZoneTexte 35">
+            <a:extLst>
+              <a:ext uri="{FF2B5EF4-FFF2-40B4-BE49-F238E27FC236}">
+                <a16:creationId xmlns:a16="http://schemas.microsoft.com/office/drawing/2014/main" id="{64F88BFE-36FF-1C72-A5D7-4922EBBA9AFB}"/>
+              </a:ext>
+            </a:extLst>
+          </p:cNvPr>
+          <p:cNvSpPr txBox="1"/>
+          <p:nvPr/>
+        </p:nvSpPr>
+        <p:spPr>
+          <a:xfrm>
+            <a:off x="3911945" y="2511657"/>
+            <a:ext cx="627797" cy="369332"/>
+          </a:xfrm>
+          <a:prstGeom prst="rect">
+            <a:avLst/>
+          </a:prstGeom>
+          <a:noFill/>
+        </p:spPr>
+        <p:txBody>
+          <a:bodyPr wrap="square" rtlCol="0">
+            <a:spAutoFit/>
+          </a:bodyPr>
+          <a:lstStyle/>
+          <a:p>
+            <a:r>
+              <a:rPr lang="fr-CH" dirty="0"/>
+              <a:t>t</a:t>
+            </a:r>
+          </a:p>
+        </p:txBody>
+      </p:sp>
+      <p:sp>
+        <p:nvSpPr>
+          <p:cNvPr id="37" name="ZoneTexte 36">
+            <a:extLst>
+              <a:ext uri="{FF2B5EF4-FFF2-40B4-BE49-F238E27FC236}">
+                <a16:creationId xmlns:a16="http://schemas.microsoft.com/office/drawing/2014/main" id="{7A8171A3-8802-1640-175B-843C5E11158F}"/>
+              </a:ext>
+            </a:extLst>
+          </p:cNvPr>
+          <p:cNvSpPr txBox="1"/>
+          <p:nvPr/>
+        </p:nvSpPr>
+        <p:spPr>
+          <a:xfrm>
+            <a:off x="3911946" y="3250424"/>
+            <a:ext cx="627797" cy="369332"/>
+          </a:xfrm>
+          <a:prstGeom prst="rect">
+            <a:avLst/>
+          </a:prstGeom>
+          <a:noFill/>
+        </p:spPr>
+        <p:txBody>
+          <a:bodyPr wrap="square" rtlCol="0">
+            <a:spAutoFit/>
+          </a:bodyPr>
+          <a:lstStyle/>
+          <a:p>
+            <a:r>
+              <a:rPr lang="fr-CH" dirty="0"/>
+              <a:t>g</a:t>
+            </a:r>
+          </a:p>
+        </p:txBody>
+      </p:sp>
+      <p:sp>
+        <p:nvSpPr>
+          <p:cNvPr id="38" name="ZoneTexte 37">
+            <a:extLst>
+              <a:ext uri="{FF2B5EF4-FFF2-40B4-BE49-F238E27FC236}">
+                <a16:creationId xmlns:a16="http://schemas.microsoft.com/office/drawing/2014/main" id="{308222A4-42A9-F15A-A5EF-67DE8C063433}"/>
+              </a:ext>
+            </a:extLst>
+          </p:cNvPr>
+          <p:cNvSpPr txBox="1"/>
+          <p:nvPr/>
+        </p:nvSpPr>
+        <p:spPr>
+          <a:xfrm>
+            <a:off x="3943686" y="3989191"/>
+            <a:ext cx="627797" cy="369332"/>
+          </a:xfrm>
+          <a:prstGeom prst="rect">
+            <a:avLst/>
+          </a:prstGeom>
+          <a:noFill/>
+        </p:spPr>
+        <p:txBody>
+          <a:bodyPr wrap="square" rtlCol="0">
+            <a:spAutoFit/>
+          </a:bodyPr>
+          <a:lstStyle/>
+          <a:p>
+            <a:r>
+              <a:rPr lang="fr-CH" dirty="0"/>
+              <a:t>b</a:t>
+            </a:r>
+          </a:p>
+        </p:txBody>
+      </p:sp>
+      <p:sp>
+        <p:nvSpPr>
+          <p:cNvPr id="39" name="ZoneTexte 38">
+            <a:extLst>
+              <a:ext uri="{FF2B5EF4-FFF2-40B4-BE49-F238E27FC236}">
+                <a16:creationId xmlns:a16="http://schemas.microsoft.com/office/drawing/2014/main" id="{B12A7FD2-E63C-7891-FFFA-AAAC1ED039EB}"/>
+              </a:ext>
+            </a:extLst>
+          </p:cNvPr>
+          <p:cNvSpPr txBox="1"/>
+          <p:nvPr/>
+        </p:nvSpPr>
+        <p:spPr>
+          <a:xfrm>
+            <a:off x="1724828" y="4658949"/>
+            <a:ext cx="627797" cy="369332"/>
+          </a:xfrm>
+          <a:prstGeom prst="rect">
+            <a:avLst/>
+          </a:prstGeom>
+          <a:noFill/>
+        </p:spPr>
+        <p:txBody>
+          <a:bodyPr wrap="square" rtlCol="0">
+            <a:spAutoFit/>
+          </a:bodyPr>
+          <a:lstStyle/>
+          <a:p>
+            <a:r>
+              <a:rPr lang="fr-CH" dirty="0"/>
+              <a:t>Ctrl</a:t>
+            </a:r>
+          </a:p>
+        </p:txBody>
+      </p:sp>
+      <p:sp>
+        <p:nvSpPr>
+          <p:cNvPr id="41" name="ZoneTexte 40">
+            <a:extLst>
+              <a:ext uri="{FF2B5EF4-FFF2-40B4-BE49-F238E27FC236}">
+                <a16:creationId xmlns:a16="http://schemas.microsoft.com/office/drawing/2014/main" id="{CADBD8DB-E083-BB66-9000-42C9340C9BC2}"/>
+              </a:ext>
+            </a:extLst>
+          </p:cNvPr>
+          <p:cNvSpPr txBox="1"/>
+          <p:nvPr/>
+        </p:nvSpPr>
+        <p:spPr>
+          <a:xfrm>
+            <a:off x="3200724" y="4664965"/>
+            <a:ext cx="627797" cy="369332"/>
+          </a:xfrm>
+          <a:prstGeom prst="rect">
+            <a:avLst/>
+          </a:prstGeom>
+          <a:noFill/>
+        </p:spPr>
+        <p:txBody>
+          <a:bodyPr wrap="square" rtlCol="0">
+            <a:spAutoFit/>
+          </a:bodyPr>
+          <a:lstStyle/>
+          <a:p>
+            <a:r>
+              <a:rPr lang="fr-CH" dirty="0"/>
+              <a:t>Alt</a:t>
+            </a:r>
+          </a:p>
+        </p:txBody>
+      </p:sp>
+      <p:sp>
+        <p:nvSpPr>
+          <p:cNvPr id="42" name="ZoneTexte 41">
+            <a:extLst>
+              <a:ext uri="{FF2B5EF4-FFF2-40B4-BE49-F238E27FC236}">
+                <a16:creationId xmlns:a16="http://schemas.microsoft.com/office/drawing/2014/main" id="{9D99E536-39DA-91CE-C2DD-C9CA06EC8E3C}"/>
+              </a:ext>
+            </a:extLst>
+          </p:cNvPr>
+          <p:cNvSpPr txBox="1"/>
+          <p:nvPr/>
+        </p:nvSpPr>
+        <p:spPr>
+          <a:xfrm>
+            <a:off x="4088895" y="4843615"/>
+            <a:ext cx="627797" cy="369332"/>
+          </a:xfrm>
+          <a:prstGeom prst="rect">
+            <a:avLst/>
+          </a:prstGeom>
+          <a:noFill/>
+        </p:spPr>
+        <p:txBody>
+          <a:bodyPr wrap="square" rtlCol="0">
+            <a:spAutoFit/>
+          </a:bodyPr>
+          <a:lstStyle/>
+          <a:p>
+            <a:r>
+              <a:rPr lang="fr-CH" dirty="0"/>
+              <a:t>L1</a:t>
+            </a:r>
+          </a:p>
+        </p:txBody>
+      </p:sp>
+      <p:sp>
+        <p:nvSpPr>
+          <p:cNvPr id="43" name="ZoneTexte 42">
+            <a:extLst>
+              <a:ext uri="{FF2B5EF4-FFF2-40B4-BE49-F238E27FC236}">
+                <a16:creationId xmlns:a16="http://schemas.microsoft.com/office/drawing/2014/main" id="{6E32DF28-5DE7-EAD4-147D-E6624724E1BC}"/>
+              </a:ext>
+            </a:extLst>
+          </p:cNvPr>
+          <p:cNvSpPr txBox="1"/>
+          <p:nvPr/>
+        </p:nvSpPr>
+        <p:spPr>
+          <a:xfrm>
+            <a:off x="4806616" y="5047779"/>
+            <a:ext cx="848226" cy="369332"/>
+          </a:xfrm>
+          <a:prstGeom prst="rect">
+            <a:avLst/>
+          </a:prstGeom>
+          <a:noFill/>
+        </p:spPr>
+        <p:txBody>
+          <a:bodyPr wrap="square" rtlCol="0">
+            <a:spAutoFit/>
+          </a:bodyPr>
+          <a:lstStyle/>
+          <a:p>
+            <a:r>
+              <a:rPr lang="fr-CH" dirty="0"/>
+              <a:t>Space</a:t>
+            </a:r>
+          </a:p>
+        </p:txBody>
+      </p:sp>
+      <p:sp>
+        <p:nvSpPr>
+          <p:cNvPr id="44" name="ZoneTexte 43">
+            <a:extLst>
+              <a:ext uri="{FF2B5EF4-FFF2-40B4-BE49-F238E27FC236}">
+                <a16:creationId xmlns:a16="http://schemas.microsoft.com/office/drawing/2014/main" id="{F57FD6BC-BEA7-CF69-F1F4-41AC9DF5B79E}"/>
+              </a:ext>
+            </a:extLst>
+          </p:cNvPr>
+          <p:cNvSpPr txBox="1"/>
+          <p:nvPr/>
+        </p:nvSpPr>
+        <p:spPr>
+          <a:xfrm>
+            <a:off x="8187107" y="1642310"/>
+            <a:ext cx="627797" cy="369332"/>
+          </a:xfrm>
+          <a:prstGeom prst="rect">
+            <a:avLst/>
+          </a:prstGeom>
+          <a:noFill/>
+        </p:spPr>
+        <p:txBody>
+          <a:bodyPr wrap="square" rtlCol="0">
+            <a:spAutoFit/>
+          </a:bodyPr>
+          <a:lstStyle/>
+          <a:p>
+            <a:r>
+              <a:rPr lang="fr-CH" dirty="0"/>
+              <a:t>7</a:t>
+            </a:r>
+          </a:p>
+        </p:txBody>
+      </p:sp>
+      <p:sp>
+        <p:nvSpPr>
+          <p:cNvPr id="45" name="ZoneTexte 44">
+            <a:extLst>
+              <a:ext uri="{FF2B5EF4-FFF2-40B4-BE49-F238E27FC236}">
+                <a16:creationId xmlns:a16="http://schemas.microsoft.com/office/drawing/2014/main" id="{49937567-01CD-C1E7-3970-07ECAB4D1403}"/>
+              </a:ext>
+            </a:extLst>
+          </p:cNvPr>
+          <p:cNvSpPr txBox="1"/>
+          <p:nvPr/>
+        </p:nvSpPr>
+        <p:spPr>
+          <a:xfrm>
+            <a:off x="8155365" y="2381077"/>
+            <a:ext cx="627797" cy="369332"/>
+          </a:xfrm>
+          <a:prstGeom prst="rect">
+            <a:avLst/>
+          </a:prstGeom>
+          <a:noFill/>
+        </p:spPr>
+        <p:txBody>
+          <a:bodyPr wrap="square" rtlCol="0">
+            <a:spAutoFit/>
+          </a:bodyPr>
+          <a:lstStyle/>
+          <a:p>
+            <a:r>
+              <a:rPr lang="fr-CH" dirty="0"/>
+              <a:t>u</a:t>
+            </a:r>
+          </a:p>
+        </p:txBody>
+      </p:sp>
+      <p:sp>
+        <p:nvSpPr>
+          <p:cNvPr id="46" name="ZoneTexte 45">
+            <a:extLst>
+              <a:ext uri="{FF2B5EF4-FFF2-40B4-BE49-F238E27FC236}">
+                <a16:creationId xmlns:a16="http://schemas.microsoft.com/office/drawing/2014/main" id="{5888C888-23F3-716C-48CD-3247B89D0296}"/>
+              </a:ext>
+            </a:extLst>
+          </p:cNvPr>
+          <p:cNvSpPr txBox="1"/>
+          <p:nvPr/>
+        </p:nvSpPr>
+        <p:spPr>
+          <a:xfrm>
+            <a:off x="8155366" y="3119844"/>
+            <a:ext cx="627797" cy="369332"/>
+          </a:xfrm>
+          <a:prstGeom prst="rect">
+            <a:avLst/>
+          </a:prstGeom>
+          <a:noFill/>
+        </p:spPr>
+        <p:txBody>
+          <a:bodyPr wrap="square" rtlCol="0">
+            <a:spAutoFit/>
+          </a:bodyPr>
+          <a:lstStyle/>
+          <a:p>
+            <a:r>
+              <a:rPr lang="fr-CH" dirty="0"/>
+              <a:t>j</a:t>
+            </a:r>
+          </a:p>
+        </p:txBody>
+      </p:sp>
+      <p:sp>
+        <p:nvSpPr>
+          <p:cNvPr id="47" name="ZoneTexte 46">
+            <a:extLst>
+              <a:ext uri="{FF2B5EF4-FFF2-40B4-BE49-F238E27FC236}">
+                <a16:creationId xmlns:a16="http://schemas.microsoft.com/office/drawing/2014/main" id="{7233F29D-0D15-6963-C02E-175E9DEFB857}"/>
+              </a:ext>
+            </a:extLst>
+          </p:cNvPr>
+          <p:cNvSpPr txBox="1"/>
+          <p:nvPr/>
+        </p:nvSpPr>
+        <p:spPr>
+          <a:xfrm>
+            <a:off x="8187106" y="3858611"/>
+            <a:ext cx="627797" cy="369332"/>
+          </a:xfrm>
+          <a:prstGeom prst="rect">
+            <a:avLst/>
+          </a:prstGeom>
+          <a:noFill/>
+        </p:spPr>
+        <p:txBody>
+          <a:bodyPr wrap="square" rtlCol="0">
+            <a:spAutoFit/>
+          </a:bodyPr>
+          <a:lstStyle/>
+          <a:p>
+            <a:r>
+              <a:rPr lang="fr-CH" dirty="0"/>
+              <a:t>m</a:t>
+            </a:r>
+          </a:p>
+        </p:txBody>
+      </p:sp>
+      <p:sp>
+        <p:nvSpPr>
+          <p:cNvPr id="48" name="ZoneTexte 47">
+            <a:extLst>
+              <a:ext uri="{FF2B5EF4-FFF2-40B4-BE49-F238E27FC236}">
+                <a16:creationId xmlns:a16="http://schemas.microsoft.com/office/drawing/2014/main" id="{0B064416-5DC6-D516-A0F6-94A37FA5F4BA}"/>
+              </a:ext>
+            </a:extLst>
+          </p:cNvPr>
+          <p:cNvSpPr txBox="1"/>
+          <p:nvPr/>
+        </p:nvSpPr>
+        <p:spPr>
+          <a:xfrm>
+            <a:off x="8937743" y="1541865"/>
+            <a:ext cx="627797" cy="369332"/>
+          </a:xfrm>
+          <a:prstGeom prst="rect">
+            <a:avLst/>
+          </a:prstGeom>
+          <a:noFill/>
+        </p:spPr>
+        <p:txBody>
+          <a:bodyPr wrap="square" rtlCol="0">
+            <a:spAutoFit/>
+          </a:bodyPr>
+          <a:lstStyle/>
+          <a:p>
+            <a:r>
+              <a:rPr lang="fr-CH" dirty="0"/>
+              <a:t>8</a:t>
+            </a:r>
+          </a:p>
+        </p:txBody>
+      </p:sp>
+      <p:sp>
+        <p:nvSpPr>
+          <p:cNvPr id="49" name="ZoneTexte 48">
+            <a:extLst>
+              <a:ext uri="{FF2B5EF4-FFF2-40B4-BE49-F238E27FC236}">
+                <a16:creationId xmlns:a16="http://schemas.microsoft.com/office/drawing/2014/main" id="{A54D31EA-FE77-B3DB-792D-1725D8D30ABC}"/>
+              </a:ext>
+            </a:extLst>
+          </p:cNvPr>
+          <p:cNvSpPr txBox="1"/>
+          <p:nvPr/>
+        </p:nvSpPr>
+        <p:spPr>
+          <a:xfrm>
+            <a:off x="8906001" y="2280632"/>
+            <a:ext cx="627797" cy="369332"/>
+          </a:xfrm>
+          <a:prstGeom prst="rect">
+            <a:avLst/>
+          </a:prstGeom>
+          <a:noFill/>
+        </p:spPr>
+        <p:txBody>
+          <a:bodyPr wrap="square" rtlCol="0">
+            <a:spAutoFit/>
+          </a:bodyPr>
+          <a:lstStyle/>
+          <a:p>
+            <a:r>
+              <a:rPr lang="fr-CH" dirty="0"/>
+              <a:t>i</a:t>
+            </a:r>
+          </a:p>
+        </p:txBody>
+      </p:sp>
+      <p:sp>
+        <p:nvSpPr>
+          <p:cNvPr id="50" name="ZoneTexte 49">
+            <a:extLst>
+              <a:ext uri="{FF2B5EF4-FFF2-40B4-BE49-F238E27FC236}">
+                <a16:creationId xmlns:a16="http://schemas.microsoft.com/office/drawing/2014/main" id="{872FB881-7D11-C47D-1F7E-CD59A6237F72}"/>
+              </a:ext>
+            </a:extLst>
+          </p:cNvPr>
+          <p:cNvSpPr txBox="1"/>
+          <p:nvPr/>
+        </p:nvSpPr>
+        <p:spPr>
+          <a:xfrm>
+            <a:off x="8906002" y="3019399"/>
+            <a:ext cx="627797" cy="369332"/>
+          </a:xfrm>
+          <a:prstGeom prst="rect">
+            <a:avLst/>
+          </a:prstGeom>
+          <a:noFill/>
+        </p:spPr>
+        <p:txBody>
+          <a:bodyPr wrap="square" rtlCol="0">
+            <a:spAutoFit/>
+          </a:bodyPr>
+          <a:lstStyle/>
+          <a:p>
+            <a:r>
+              <a:rPr lang="fr-CH" dirty="0"/>
+              <a:t>k</a:t>
+            </a:r>
+          </a:p>
+        </p:txBody>
+      </p:sp>
+      <p:sp>
+        <p:nvSpPr>
+          <p:cNvPr id="51" name="ZoneTexte 50">
+            <a:extLst>
+              <a:ext uri="{FF2B5EF4-FFF2-40B4-BE49-F238E27FC236}">
+                <a16:creationId xmlns:a16="http://schemas.microsoft.com/office/drawing/2014/main" id="{7295C8A5-FFEB-3015-3E43-C0FF05EC2222}"/>
+              </a:ext>
+            </a:extLst>
+          </p:cNvPr>
+          <p:cNvSpPr txBox="1"/>
+          <p:nvPr/>
+        </p:nvSpPr>
+        <p:spPr>
+          <a:xfrm>
+            <a:off x="8937742" y="3758166"/>
+            <a:ext cx="627797" cy="369332"/>
+          </a:xfrm>
+          <a:prstGeom prst="rect">
+            <a:avLst/>
+          </a:prstGeom>
+          <a:noFill/>
+        </p:spPr>
+        <p:txBody>
+          <a:bodyPr wrap="square" rtlCol="0">
+            <a:spAutoFit/>
+          </a:bodyPr>
+          <a:lstStyle/>
+          <a:p>
+            <a:r>
+              <a:rPr lang="fr-CH" dirty="0"/>
+              <a:t>,</a:t>
+            </a:r>
+          </a:p>
+        </p:txBody>
+      </p:sp>
+      <p:sp>
+        <p:nvSpPr>
+          <p:cNvPr id="52" name="ZoneTexte 51">
+            <a:extLst>
+              <a:ext uri="{FF2B5EF4-FFF2-40B4-BE49-F238E27FC236}">
+                <a16:creationId xmlns:a16="http://schemas.microsoft.com/office/drawing/2014/main" id="{F386837E-70D6-2442-F010-EA5F5E09BBDD}"/>
+              </a:ext>
+            </a:extLst>
+          </p:cNvPr>
+          <p:cNvSpPr txBox="1"/>
+          <p:nvPr/>
+        </p:nvSpPr>
+        <p:spPr>
+          <a:xfrm>
+            <a:off x="9663003" y="1648326"/>
+            <a:ext cx="627797" cy="369332"/>
+          </a:xfrm>
+          <a:prstGeom prst="rect">
+            <a:avLst/>
+          </a:prstGeom>
+          <a:noFill/>
+        </p:spPr>
+        <p:txBody>
+          <a:bodyPr wrap="square" rtlCol="0">
+            <a:spAutoFit/>
+          </a:bodyPr>
+          <a:lstStyle/>
+          <a:p>
+            <a:r>
+              <a:rPr lang="fr-CH" dirty="0"/>
+              <a:t>9</a:t>
+            </a:r>
+          </a:p>
+        </p:txBody>
+      </p:sp>
+      <p:sp>
+        <p:nvSpPr>
+          <p:cNvPr id="53" name="ZoneTexte 52">
+            <a:extLst>
+              <a:ext uri="{FF2B5EF4-FFF2-40B4-BE49-F238E27FC236}">
+                <a16:creationId xmlns:a16="http://schemas.microsoft.com/office/drawing/2014/main" id="{7DDDAAE7-9D51-46FB-CE53-9F66CAC4923E}"/>
+              </a:ext>
+            </a:extLst>
+          </p:cNvPr>
+          <p:cNvSpPr txBox="1"/>
+          <p:nvPr/>
+        </p:nvSpPr>
+        <p:spPr>
+          <a:xfrm>
+            <a:off x="9631261" y="2387093"/>
+            <a:ext cx="627797" cy="369332"/>
+          </a:xfrm>
+          <a:prstGeom prst="rect">
+            <a:avLst/>
+          </a:prstGeom>
+          <a:noFill/>
+        </p:spPr>
+        <p:txBody>
+          <a:bodyPr wrap="square" rtlCol="0">
+            <a:spAutoFit/>
+          </a:bodyPr>
+          <a:lstStyle/>
+          <a:p>
+            <a:r>
+              <a:rPr lang="fr-CH" dirty="0"/>
+              <a:t>o</a:t>
+            </a:r>
+          </a:p>
+        </p:txBody>
+      </p:sp>
+      <p:sp>
+        <p:nvSpPr>
+          <p:cNvPr id="54" name="ZoneTexte 53">
+            <a:extLst>
+              <a:ext uri="{FF2B5EF4-FFF2-40B4-BE49-F238E27FC236}">
+                <a16:creationId xmlns:a16="http://schemas.microsoft.com/office/drawing/2014/main" id="{4028C762-ABB5-97BA-DF75-21A953988064}"/>
+              </a:ext>
+            </a:extLst>
+          </p:cNvPr>
+          <p:cNvSpPr txBox="1"/>
+          <p:nvPr/>
+        </p:nvSpPr>
+        <p:spPr>
+          <a:xfrm>
+            <a:off x="9631262" y="3125860"/>
+            <a:ext cx="627797" cy="369332"/>
+          </a:xfrm>
+          <a:prstGeom prst="rect">
+            <a:avLst/>
+          </a:prstGeom>
+          <a:noFill/>
+        </p:spPr>
+        <p:txBody>
+          <a:bodyPr wrap="square" rtlCol="0">
+            <a:spAutoFit/>
+          </a:bodyPr>
+          <a:lstStyle/>
+          <a:p>
+            <a:r>
+              <a:rPr lang="fr-CH" dirty="0"/>
+              <a:t>l</a:t>
+            </a:r>
+          </a:p>
+        </p:txBody>
+      </p:sp>
+      <p:sp>
+        <p:nvSpPr>
+          <p:cNvPr id="55" name="ZoneTexte 54">
+            <a:extLst>
+              <a:ext uri="{FF2B5EF4-FFF2-40B4-BE49-F238E27FC236}">
+                <a16:creationId xmlns:a16="http://schemas.microsoft.com/office/drawing/2014/main" id="{AA00369D-AA7D-B36C-0237-3B47F0C21634}"/>
+              </a:ext>
+            </a:extLst>
+          </p:cNvPr>
+          <p:cNvSpPr txBox="1"/>
+          <p:nvPr/>
+        </p:nvSpPr>
+        <p:spPr>
+          <a:xfrm>
+            <a:off x="9663002" y="3864627"/>
+            <a:ext cx="627797" cy="369332"/>
+          </a:xfrm>
+          <a:prstGeom prst="rect">
+            <a:avLst/>
+          </a:prstGeom>
+          <a:noFill/>
+        </p:spPr>
+        <p:txBody>
+          <a:bodyPr wrap="square" rtlCol="0">
+            <a:spAutoFit/>
+          </a:bodyPr>
+          <a:lstStyle/>
+          <a:p>
+            <a:r>
+              <a:rPr lang="fr-CH" dirty="0"/>
+              <a:t>.</a:t>
+            </a:r>
+          </a:p>
+        </p:txBody>
+      </p:sp>
+      <p:sp>
+        <p:nvSpPr>
+          <p:cNvPr id="56" name="ZoneTexte 55">
+            <a:extLst>
+              <a:ext uri="{FF2B5EF4-FFF2-40B4-BE49-F238E27FC236}">
+                <a16:creationId xmlns:a16="http://schemas.microsoft.com/office/drawing/2014/main" id="{21E32847-90D7-AC2F-8FE8-6B765547EB65}"/>
+              </a:ext>
+            </a:extLst>
+          </p:cNvPr>
+          <p:cNvSpPr txBox="1"/>
+          <p:nvPr/>
+        </p:nvSpPr>
+        <p:spPr>
+          <a:xfrm>
+            <a:off x="8183097" y="4636654"/>
+            <a:ext cx="627797" cy="369332"/>
+          </a:xfrm>
+          <a:prstGeom prst="rect">
+            <a:avLst/>
+          </a:prstGeom>
+          <a:noFill/>
+        </p:spPr>
+        <p:txBody>
+          <a:bodyPr wrap="square" rtlCol="0">
+            <a:spAutoFit/>
+          </a:bodyPr>
+          <a:lstStyle/>
+          <a:p>
+            <a:r>
+              <a:rPr lang="fr-CH" dirty="0"/>
+              <a:t>Alt</a:t>
+            </a:r>
+          </a:p>
+        </p:txBody>
+      </p:sp>
+      <p:sp>
+        <p:nvSpPr>
+          <p:cNvPr id="57" name="ZoneTexte 56">
+            <a:extLst>
+              <a:ext uri="{FF2B5EF4-FFF2-40B4-BE49-F238E27FC236}">
+                <a16:creationId xmlns:a16="http://schemas.microsoft.com/office/drawing/2014/main" id="{ED4CE60D-1796-4BA6-B3C0-78E74AC1F38E}"/>
+              </a:ext>
+            </a:extLst>
+          </p:cNvPr>
+          <p:cNvSpPr txBox="1"/>
+          <p:nvPr/>
+        </p:nvSpPr>
+        <p:spPr>
+          <a:xfrm>
+            <a:off x="8933733" y="4536209"/>
+            <a:ext cx="627797" cy="369332"/>
+          </a:xfrm>
+          <a:prstGeom prst="rect">
+            <a:avLst/>
+          </a:prstGeom>
+          <a:noFill/>
+        </p:spPr>
+        <p:txBody>
+          <a:bodyPr wrap="square" rtlCol="0">
+            <a:spAutoFit/>
+          </a:bodyPr>
+          <a:lstStyle/>
+          <a:p>
+            <a:r>
+              <a:rPr lang="fr-CH" dirty="0"/>
+              <a:t>Win</a:t>
+            </a:r>
+          </a:p>
+        </p:txBody>
+      </p:sp>
+      <p:sp>
+        <p:nvSpPr>
+          <p:cNvPr id="58" name="ZoneTexte 57">
+            <a:extLst>
+              <a:ext uri="{FF2B5EF4-FFF2-40B4-BE49-F238E27FC236}">
+                <a16:creationId xmlns:a16="http://schemas.microsoft.com/office/drawing/2014/main" id="{A990DFE0-37F3-B1BF-E00C-F9085A0D0291}"/>
+              </a:ext>
+            </a:extLst>
+          </p:cNvPr>
+          <p:cNvSpPr txBox="1"/>
+          <p:nvPr/>
+        </p:nvSpPr>
+        <p:spPr>
+          <a:xfrm>
+            <a:off x="9658993" y="4642670"/>
+            <a:ext cx="627797" cy="369332"/>
+          </a:xfrm>
+          <a:prstGeom prst="rect">
+            <a:avLst/>
+          </a:prstGeom>
+          <a:noFill/>
+        </p:spPr>
+        <p:txBody>
+          <a:bodyPr wrap="square" rtlCol="0">
+            <a:spAutoFit/>
+          </a:bodyPr>
+          <a:lstStyle/>
+          <a:p>
+            <a:r>
+              <a:rPr lang="fr-CH" dirty="0"/>
+              <a:t>Ctrl</a:t>
+            </a:r>
+          </a:p>
+        </p:txBody>
+      </p:sp>
+      <p:sp>
+        <p:nvSpPr>
+          <p:cNvPr id="59" name="ZoneTexte 58">
+            <a:extLst>
+              <a:ext uri="{FF2B5EF4-FFF2-40B4-BE49-F238E27FC236}">
+                <a16:creationId xmlns:a16="http://schemas.microsoft.com/office/drawing/2014/main" id="{1288D02B-E6E9-09E3-2B68-8B90706306DB}"/>
+              </a:ext>
+            </a:extLst>
+          </p:cNvPr>
+          <p:cNvSpPr txBox="1"/>
+          <p:nvPr/>
+        </p:nvSpPr>
+        <p:spPr>
+          <a:xfrm>
+            <a:off x="10392213" y="1849271"/>
+            <a:ext cx="627797" cy="369332"/>
+          </a:xfrm>
+          <a:prstGeom prst="rect">
+            <a:avLst/>
+          </a:prstGeom>
+          <a:noFill/>
+        </p:spPr>
+        <p:txBody>
+          <a:bodyPr wrap="square" rtlCol="0">
+            <a:spAutoFit/>
+          </a:bodyPr>
+          <a:lstStyle/>
+          <a:p>
+            <a:r>
+              <a:rPr lang="fr-CH" dirty="0"/>
+              <a:t>0</a:t>
+            </a:r>
+          </a:p>
+        </p:txBody>
+      </p:sp>
+      <p:sp>
+        <p:nvSpPr>
+          <p:cNvPr id="60" name="ZoneTexte 59">
+            <a:extLst>
+              <a:ext uri="{FF2B5EF4-FFF2-40B4-BE49-F238E27FC236}">
+                <a16:creationId xmlns:a16="http://schemas.microsoft.com/office/drawing/2014/main" id="{306D6335-2DC1-C7AD-F74F-2FEED2730D25}"/>
+              </a:ext>
+            </a:extLst>
+          </p:cNvPr>
+          <p:cNvSpPr txBox="1"/>
+          <p:nvPr/>
+        </p:nvSpPr>
+        <p:spPr>
+          <a:xfrm>
+            <a:off x="10360471" y="2588038"/>
+            <a:ext cx="627797" cy="369332"/>
+          </a:xfrm>
+          <a:prstGeom prst="rect">
+            <a:avLst/>
+          </a:prstGeom>
+          <a:noFill/>
+        </p:spPr>
+        <p:txBody>
+          <a:bodyPr wrap="square" rtlCol="0">
+            <a:spAutoFit/>
+          </a:bodyPr>
+          <a:lstStyle/>
+          <a:p>
+            <a:r>
+              <a:rPr lang="fr-CH" dirty="0"/>
+              <a:t>p</a:t>
+            </a:r>
+          </a:p>
+        </p:txBody>
+      </p:sp>
+      <p:sp>
+        <p:nvSpPr>
+          <p:cNvPr id="61" name="ZoneTexte 60">
+            <a:extLst>
+              <a:ext uri="{FF2B5EF4-FFF2-40B4-BE49-F238E27FC236}">
+                <a16:creationId xmlns:a16="http://schemas.microsoft.com/office/drawing/2014/main" id="{F34571F5-8D29-0730-4298-69A012B8A7B9}"/>
+              </a:ext>
+            </a:extLst>
+          </p:cNvPr>
+          <p:cNvSpPr txBox="1"/>
+          <p:nvPr/>
+        </p:nvSpPr>
+        <p:spPr>
+          <a:xfrm>
+            <a:off x="10360472" y="3326805"/>
+            <a:ext cx="627797" cy="369332"/>
+          </a:xfrm>
+          <a:prstGeom prst="rect">
+            <a:avLst/>
+          </a:prstGeom>
+          <a:noFill/>
+        </p:spPr>
+        <p:txBody>
+          <a:bodyPr wrap="square" rtlCol="0">
+            <a:spAutoFit/>
+          </a:bodyPr>
+          <a:lstStyle/>
+          <a:p>
+            <a:r>
+              <a:rPr lang="fr-CH" dirty="0"/>
+              <a:t>é</a:t>
+            </a:r>
+          </a:p>
+        </p:txBody>
+      </p:sp>
+      <p:sp>
+        <p:nvSpPr>
+          <p:cNvPr id="62" name="ZoneTexte 61">
+            <a:extLst>
+              <a:ext uri="{FF2B5EF4-FFF2-40B4-BE49-F238E27FC236}">
+                <a16:creationId xmlns:a16="http://schemas.microsoft.com/office/drawing/2014/main" id="{08BBF2A5-8A61-E18B-135E-CFA4C9B0C84A}"/>
+              </a:ext>
+            </a:extLst>
+          </p:cNvPr>
+          <p:cNvSpPr txBox="1"/>
+          <p:nvPr/>
+        </p:nvSpPr>
+        <p:spPr>
+          <a:xfrm>
+            <a:off x="10392212" y="4065572"/>
+            <a:ext cx="627797" cy="369332"/>
+          </a:xfrm>
+          <a:prstGeom prst="rect">
+            <a:avLst/>
+          </a:prstGeom>
+          <a:noFill/>
+        </p:spPr>
+        <p:txBody>
+          <a:bodyPr wrap="square" rtlCol="0">
+            <a:spAutoFit/>
+          </a:bodyPr>
+          <a:lstStyle/>
+          <a:p>
+            <a:r>
+              <a:rPr lang="fr-CH" dirty="0"/>
+              <a:t>-</a:t>
+            </a:r>
+          </a:p>
+        </p:txBody>
+      </p:sp>
+      <p:sp>
+        <p:nvSpPr>
+          <p:cNvPr id="63" name="ZoneTexte 62">
+            <a:extLst>
+              <a:ext uri="{FF2B5EF4-FFF2-40B4-BE49-F238E27FC236}">
+                <a16:creationId xmlns:a16="http://schemas.microsoft.com/office/drawing/2014/main" id="{B2A8F4C9-59FF-EBDE-46A7-A3F940706F87}"/>
+              </a:ext>
+            </a:extLst>
+          </p:cNvPr>
+          <p:cNvSpPr txBox="1"/>
+          <p:nvPr/>
+        </p:nvSpPr>
+        <p:spPr>
+          <a:xfrm>
+            <a:off x="11142849" y="1849271"/>
+            <a:ext cx="627797" cy="369332"/>
+          </a:xfrm>
+          <a:prstGeom prst="rect">
+            <a:avLst/>
+          </a:prstGeom>
+          <a:noFill/>
+        </p:spPr>
+        <p:txBody>
+          <a:bodyPr wrap="square" rtlCol="0">
+            <a:spAutoFit/>
+          </a:bodyPr>
+          <a:lstStyle/>
+          <a:p>
+            <a:r>
+              <a:rPr lang="fr-CH" dirty="0"/>
+              <a:t>Del</a:t>
+            </a:r>
+          </a:p>
+        </p:txBody>
+      </p:sp>
+      <p:sp>
+        <p:nvSpPr>
+          <p:cNvPr id="64" name="ZoneTexte 63">
+            <a:extLst>
+              <a:ext uri="{FF2B5EF4-FFF2-40B4-BE49-F238E27FC236}">
+                <a16:creationId xmlns:a16="http://schemas.microsoft.com/office/drawing/2014/main" id="{755C82E9-585E-9657-20FD-8C5C9093A1A1}"/>
+              </a:ext>
+            </a:extLst>
+          </p:cNvPr>
+          <p:cNvSpPr txBox="1"/>
+          <p:nvPr/>
+        </p:nvSpPr>
+        <p:spPr>
+          <a:xfrm>
+            <a:off x="11020009" y="2588038"/>
+            <a:ext cx="816358" cy="369332"/>
+          </a:xfrm>
+          <a:prstGeom prst="rect">
+            <a:avLst/>
+          </a:prstGeom>
+          <a:noFill/>
+        </p:spPr>
+        <p:txBody>
+          <a:bodyPr wrap="square" rtlCol="0">
+            <a:spAutoFit/>
+          </a:bodyPr>
+          <a:lstStyle/>
+          <a:p>
+            <a:r>
+              <a:rPr lang="fr-CH" dirty="0"/>
+              <a:t>Suppr</a:t>
+            </a:r>
+          </a:p>
+        </p:txBody>
+      </p:sp>
+      <p:sp>
+        <p:nvSpPr>
+          <p:cNvPr id="65" name="ZoneTexte 64">
+            <a:extLst>
+              <a:ext uri="{FF2B5EF4-FFF2-40B4-BE49-F238E27FC236}">
+                <a16:creationId xmlns:a16="http://schemas.microsoft.com/office/drawing/2014/main" id="{9875E502-71DF-F3A1-57E7-237E029960FA}"/>
+              </a:ext>
+            </a:extLst>
+          </p:cNvPr>
+          <p:cNvSpPr txBox="1"/>
+          <p:nvPr/>
+        </p:nvSpPr>
+        <p:spPr>
+          <a:xfrm>
+            <a:off x="11111108" y="3326805"/>
+            <a:ext cx="627797" cy="369332"/>
+          </a:xfrm>
+          <a:prstGeom prst="rect">
+            <a:avLst/>
+          </a:prstGeom>
+          <a:noFill/>
+        </p:spPr>
+        <p:txBody>
+          <a:bodyPr wrap="square" rtlCol="0">
+            <a:spAutoFit/>
+          </a:bodyPr>
+          <a:lstStyle/>
+          <a:p>
+            <a:r>
+              <a:rPr lang="fr-CH" dirty="0"/>
+              <a:t>à</a:t>
+            </a:r>
+          </a:p>
+        </p:txBody>
+      </p:sp>
+      <p:sp>
+        <p:nvSpPr>
+          <p:cNvPr id="66" name="ZoneTexte 65">
+            <a:extLst>
+              <a:ext uri="{FF2B5EF4-FFF2-40B4-BE49-F238E27FC236}">
+                <a16:creationId xmlns:a16="http://schemas.microsoft.com/office/drawing/2014/main" id="{850E8D9C-3847-B2E4-8465-A2D261FC3F31}"/>
+              </a:ext>
+            </a:extLst>
+          </p:cNvPr>
+          <p:cNvSpPr txBox="1"/>
+          <p:nvPr/>
+        </p:nvSpPr>
+        <p:spPr>
+          <a:xfrm>
+            <a:off x="11111108" y="4065572"/>
+            <a:ext cx="659537" cy="369332"/>
+          </a:xfrm>
+          <a:prstGeom prst="rect">
+            <a:avLst/>
+          </a:prstGeom>
+          <a:noFill/>
+        </p:spPr>
+        <p:txBody>
+          <a:bodyPr wrap="square" rtlCol="0">
+            <a:spAutoFit/>
+          </a:bodyPr>
+          <a:lstStyle/>
+          <a:p>
+            <a:r>
+              <a:rPr lang="fr-CH" dirty="0"/>
+              <a:t>Shift</a:t>
+            </a:r>
+          </a:p>
+        </p:txBody>
+      </p:sp>
+      <p:sp>
+        <p:nvSpPr>
+          <p:cNvPr id="67" name="ZoneTexte 66">
+            <a:extLst>
+              <a:ext uri="{FF2B5EF4-FFF2-40B4-BE49-F238E27FC236}">
+                <a16:creationId xmlns:a16="http://schemas.microsoft.com/office/drawing/2014/main" id="{DE6F60E8-4CCB-BDF7-EB60-B6396101A888}"/>
+              </a:ext>
+            </a:extLst>
+          </p:cNvPr>
+          <p:cNvSpPr txBox="1"/>
+          <p:nvPr/>
+        </p:nvSpPr>
+        <p:spPr>
+          <a:xfrm>
+            <a:off x="7385531" y="1772890"/>
+            <a:ext cx="627797" cy="369332"/>
+          </a:xfrm>
+          <a:prstGeom prst="rect">
+            <a:avLst/>
+          </a:prstGeom>
+          <a:noFill/>
+        </p:spPr>
+        <p:txBody>
+          <a:bodyPr wrap="square" rtlCol="0">
+            <a:spAutoFit/>
+          </a:bodyPr>
+          <a:lstStyle/>
+          <a:p>
+            <a:r>
+              <a:rPr lang="fr-CH" dirty="0"/>
+              <a:t>6</a:t>
+            </a:r>
+          </a:p>
+        </p:txBody>
+      </p:sp>
+      <p:sp>
+        <p:nvSpPr>
+          <p:cNvPr id="68" name="ZoneTexte 67">
+            <a:extLst>
+              <a:ext uri="{FF2B5EF4-FFF2-40B4-BE49-F238E27FC236}">
+                <a16:creationId xmlns:a16="http://schemas.microsoft.com/office/drawing/2014/main" id="{8581C764-07E0-0FE7-C56A-A166B1850790}"/>
+              </a:ext>
+            </a:extLst>
+          </p:cNvPr>
+          <p:cNvSpPr txBox="1"/>
+          <p:nvPr/>
+        </p:nvSpPr>
+        <p:spPr>
+          <a:xfrm>
+            <a:off x="7353789" y="2511657"/>
+            <a:ext cx="627797" cy="369332"/>
+          </a:xfrm>
+          <a:prstGeom prst="rect">
+            <a:avLst/>
+          </a:prstGeom>
+          <a:noFill/>
+        </p:spPr>
+        <p:txBody>
+          <a:bodyPr wrap="square" rtlCol="0">
+            <a:spAutoFit/>
+          </a:bodyPr>
+          <a:lstStyle/>
+          <a:p>
+            <a:r>
+              <a:rPr lang="fr-CH" dirty="0"/>
+              <a:t>z</a:t>
+            </a:r>
+          </a:p>
+        </p:txBody>
+      </p:sp>
+      <p:sp>
+        <p:nvSpPr>
+          <p:cNvPr id="69" name="ZoneTexte 68">
+            <a:extLst>
+              <a:ext uri="{FF2B5EF4-FFF2-40B4-BE49-F238E27FC236}">
+                <a16:creationId xmlns:a16="http://schemas.microsoft.com/office/drawing/2014/main" id="{68C6C7E1-7EEE-AA06-49EF-B97E3C69B0EB}"/>
+              </a:ext>
+            </a:extLst>
+          </p:cNvPr>
+          <p:cNvSpPr txBox="1"/>
+          <p:nvPr/>
+        </p:nvSpPr>
+        <p:spPr>
+          <a:xfrm>
+            <a:off x="7353790" y="3250424"/>
+            <a:ext cx="627797" cy="369332"/>
+          </a:xfrm>
+          <a:prstGeom prst="rect">
+            <a:avLst/>
+          </a:prstGeom>
+          <a:noFill/>
+        </p:spPr>
+        <p:txBody>
+          <a:bodyPr wrap="square" rtlCol="0">
+            <a:spAutoFit/>
+          </a:bodyPr>
+          <a:lstStyle/>
+          <a:p>
+            <a:r>
+              <a:rPr lang="fr-CH" dirty="0"/>
+              <a:t>h</a:t>
+            </a:r>
+          </a:p>
+        </p:txBody>
+      </p:sp>
+      <p:sp>
+        <p:nvSpPr>
+          <p:cNvPr id="70" name="ZoneTexte 69">
+            <a:extLst>
+              <a:ext uri="{FF2B5EF4-FFF2-40B4-BE49-F238E27FC236}">
+                <a16:creationId xmlns:a16="http://schemas.microsoft.com/office/drawing/2014/main" id="{10397ADA-C44C-576D-1495-62DCAF12DC61}"/>
+              </a:ext>
+            </a:extLst>
+          </p:cNvPr>
+          <p:cNvSpPr txBox="1"/>
+          <p:nvPr/>
+        </p:nvSpPr>
+        <p:spPr>
+          <a:xfrm>
+            <a:off x="7385530" y="3989191"/>
+            <a:ext cx="627797" cy="369332"/>
+          </a:xfrm>
+          <a:prstGeom prst="rect">
+            <a:avLst/>
+          </a:prstGeom>
+          <a:noFill/>
+        </p:spPr>
+        <p:txBody>
+          <a:bodyPr wrap="square" rtlCol="0">
+            <a:spAutoFit/>
+          </a:bodyPr>
+          <a:lstStyle/>
+          <a:p>
+            <a:r>
+              <a:rPr lang="fr-CH" dirty="0"/>
+              <a:t>n</a:t>
+            </a:r>
+          </a:p>
+        </p:txBody>
+      </p:sp>
+      <p:sp>
+        <p:nvSpPr>
+          <p:cNvPr id="71" name="ZoneTexte 70">
+            <a:extLst>
+              <a:ext uri="{FF2B5EF4-FFF2-40B4-BE49-F238E27FC236}">
+                <a16:creationId xmlns:a16="http://schemas.microsoft.com/office/drawing/2014/main" id="{29BE66BC-047F-4886-5256-DAE8FBB3FAC0}"/>
+              </a:ext>
+            </a:extLst>
+          </p:cNvPr>
+          <p:cNvSpPr txBox="1"/>
+          <p:nvPr/>
+        </p:nvSpPr>
+        <p:spPr>
+          <a:xfrm>
+            <a:off x="7300942" y="4846833"/>
+            <a:ext cx="627797" cy="369332"/>
+          </a:xfrm>
+          <a:prstGeom prst="rect">
+            <a:avLst/>
+          </a:prstGeom>
+          <a:noFill/>
+        </p:spPr>
+        <p:txBody>
+          <a:bodyPr wrap="square" rtlCol="0">
+            <a:spAutoFit/>
+          </a:bodyPr>
+          <a:lstStyle/>
+          <a:p>
+            <a:r>
+              <a:rPr lang="fr-CH" dirty="0"/>
+              <a:t>L2</a:t>
+            </a:r>
+          </a:p>
+        </p:txBody>
+      </p:sp>
+      <p:sp>
+        <p:nvSpPr>
+          <p:cNvPr id="72" name="ZoneTexte 71">
+            <a:extLst>
+              <a:ext uri="{FF2B5EF4-FFF2-40B4-BE49-F238E27FC236}">
+                <a16:creationId xmlns:a16="http://schemas.microsoft.com/office/drawing/2014/main" id="{0B823C8B-0937-EDA5-0CB1-9ECB579A6A1D}"/>
+              </a:ext>
+            </a:extLst>
+          </p:cNvPr>
+          <p:cNvSpPr txBox="1"/>
+          <p:nvPr/>
+        </p:nvSpPr>
+        <p:spPr>
+          <a:xfrm>
+            <a:off x="6411694" y="5055245"/>
+            <a:ext cx="734667" cy="369332"/>
+          </a:xfrm>
+          <a:prstGeom prst="rect">
+            <a:avLst/>
+          </a:prstGeom>
+          <a:noFill/>
+        </p:spPr>
+        <p:txBody>
+          <a:bodyPr wrap="square" rtlCol="0">
+            <a:spAutoFit/>
+          </a:bodyPr>
+          <a:lstStyle/>
+          <a:p>
+            <a:r>
+              <a:rPr lang="fr-CH" dirty="0"/>
+              <a:t>Enter</a:t>
+            </a:r>
+          </a:p>
+        </p:txBody>
+      </p:sp>
+      <p:sp>
+        <p:nvSpPr>
+          <p:cNvPr id="73" name="ZoneTexte 72">
+            <a:extLst>
+              <a:ext uri="{FF2B5EF4-FFF2-40B4-BE49-F238E27FC236}">
+                <a16:creationId xmlns:a16="http://schemas.microsoft.com/office/drawing/2014/main" id="{3FFCF802-4755-B4BB-1C63-87FD71EE2A5C}"/>
+              </a:ext>
+            </a:extLst>
+          </p:cNvPr>
+          <p:cNvSpPr txBox="1"/>
+          <p:nvPr/>
+        </p:nvSpPr>
+        <p:spPr>
+          <a:xfrm>
+            <a:off x="259308" y="288758"/>
+            <a:ext cx="1617618" cy="769441"/>
+          </a:xfrm>
+          <a:prstGeom prst="rect">
+            <a:avLst/>
+          </a:prstGeom>
+          <a:noFill/>
+        </p:spPr>
+        <p:txBody>
+          <a:bodyPr wrap="square" rtlCol="0">
+            <a:spAutoFit/>
+          </a:bodyPr>
+          <a:lstStyle/>
+          <a:p>
+            <a:r>
+              <a:rPr lang="fr-CH" sz="4400" b="1" dirty="0"/>
+              <a:t>L7</a:t>
+            </a:r>
+            <a:endParaRPr lang="fr-CH" b="1" dirty="0"/>
+          </a:p>
+        </p:txBody>
+      </p:sp>
+      <p:sp>
+        <p:nvSpPr>
+          <p:cNvPr id="75" name="ZoneTexte 74">
+            <a:extLst>
+              <a:ext uri="{FF2B5EF4-FFF2-40B4-BE49-F238E27FC236}">
+                <a16:creationId xmlns:a16="http://schemas.microsoft.com/office/drawing/2014/main" id="{5E28279C-8E89-C34E-580B-F0B9BBF743D9}"/>
+              </a:ext>
+            </a:extLst>
+          </p:cNvPr>
+          <p:cNvSpPr txBox="1"/>
+          <p:nvPr/>
+        </p:nvSpPr>
+        <p:spPr>
+          <a:xfrm>
+            <a:off x="6450753" y="4133495"/>
+            <a:ext cx="811938" cy="369332"/>
+          </a:xfrm>
+          <a:prstGeom prst="rect">
+            <a:avLst/>
+          </a:prstGeom>
+          <a:solidFill>
+            <a:srgbClr val="D9D9D9">
+              <a:alpha val="54118"/>
+            </a:srgbClr>
+          </a:solidFill>
+        </p:spPr>
+        <p:txBody>
+          <a:bodyPr wrap="square" rtlCol="0">
+            <a:spAutoFit/>
+          </a:bodyPr>
+          <a:lstStyle/>
+          <a:p>
+            <a:r>
+              <a:rPr lang="fr-CH" dirty="0"/>
+              <a:t>Pause</a:t>
+            </a:r>
+          </a:p>
+        </p:txBody>
+      </p:sp>
+      <p:sp>
+        <p:nvSpPr>
+          <p:cNvPr id="76" name="ZoneTexte 75">
+            <a:extLst>
+              <a:ext uri="{FF2B5EF4-FFF2-40B4-BE49-F238E27FC236}">
+                <a16:creationId xmlns:a16="http://schemas.microsoft.com/office/drawing/2014/main" id="{85CA6946-441B-D5EC-70D3-10B93D13B185}"/>
+              </a:ext>
+            </a:extLst>
+          </p:cNvPr>
+          <p:cNvSpPr txBox="1"/>
+          <p:nvPr/>
+        </p:nvSpPr>
+        <p:spPr>
+          <a:xfrm>
+            <a:off x="4881090" y="4144444"/>
+            <a:ext cx="473065" cy="369332"/>
+          </a:xfrm>
+          <a:prstGeom prst="rect">
+            <a:avLst/>
+          </a:prstGeom>
+          <a:solidFill>
+            <a:srgbClr val="D9D9D9">
+              <a:alpha val="54118"/>
+            </a:srgbClr>
+          </a:solidFill>
+        </p:spPr>
+        <p:txBody>
+          <a:bodyPr wrap="square" rtlCol="0">
+            <a:spAutoFit/>
+          </a:bodyPr>
+          <a:lstStyle/>
+          <a:p>
+            <a:r>
+              <a:rPr lang="fr-CH" dirty="0"/>
+              <a:t>30</a:t>
+            </a:r>
+          </a:p>
+        </p:txBody>
+      </p:sp>
+      <p:sp>
+        <p:nvSpPr>
+          <p:cNvPr id="77" name="ZoneTexte 76">
+            <a:extLst>
+              <a:ext uri="{FF2B5EF4-FFF2-40B4-BE49-F238E27FC236}">
+                <a16:creationId xmlns:a16="http://schemas.microsoft.com/office/drawing/2014/main" id="{519E6ED3-4D49-33FC-002A-652D0E66C0A9}"/>
+              </a:ext>
+            </a:extLst>
+          </p:cNvPr>
+          <p:cNvSpPr txBox="1"/>
+          <p:nvPr/>
+        </p:nvSpPr>
+        <p:spPr>
+          <a:xfrm>
+            <a:off x="6450753" y="3771521"/>
+            <a:ext cx="811938" cy="369332"/>
+          </a:xfrm>
+          <a:prstGeom prst="rect">
+            <a:avLst/>
+          </a:prstGeom>
+          <a:solidFill>
+            <a:srgbClr val="D9D9D9">
+              <a:alpha val="54118"/>
+            </a:srgbClr>
+          </a:solidFill>
+        </p:spPr>
+        <p:txBody>
+          <a:bodyPr wrap="square" rtlCol="0">
+            <a:spAutoFit/>
+          </a:bodyPr>
+          <a:lstStyle/>
+          <a:p>
+            <a:r>
+              <a:rPr lang="fr-CH" dirty="0"/>
+              <a:t>Vol2</a:t>
+            </a:r>
+          </a:p>
+        </p:txBody>
+      </p:sp>
+      <p:sp>
+        <p:nvSpPr>
+          <p:cNvPr id="78" name="ZoneTexte 77">
+            <a:extLst>
+              <a:ext uri="{FF2B5EF4-FFF2-40B4-BE49-F238E27FC236}">
+                <a16:creationId xmlns:a16="http://schemas.microsoft.com/office/drawing/2014/main" id="{C057556F-1233-DE7E-0C61-D2F0568027B6}"/>
+              </a:ext>
+            </a:extLst>
+          </p:cNvPr>
+          <p:cNvSpPr txBox="1"/>
+          <p:nvPr/>
+        </p:nvSpPr>
+        <p:spPr>
+          <a:xfrm>
+            <a:off x="4771089" y="3692777"/>
+            <a:ext cx="811938" cy="369332"/>
+          </a:xfrm>
+          <a:prstGeom prst="rect">
+            <a:avLst/>
+          </a:prstGeom>
+          <a:solidFill>
+            <a:srgbClr val="D9D9D9">
+              <a:alpha val="54118"/>
+            </a:srgbClr>
+          </a:solidFill>
+        </p:spPr>
+        <p:txBody>
+          <a:bodyPr wrap="square" rtlCol="0">
+            <a:spAutoFit/>
+          </a:bodyPr>
+          <a:lstStyle/>
+          <a:p>
+            <a:r>
+              <a:rPr lang="fr-CH" dirty="0"/>
+              <a:t>Vol1</a:t>
+            </a:r>
+          </a:p>
+        </p:txBody>
+      </p:sp>
+      <p:sp>
+        <p:nvSpPr>
+          <p:cNvPr id="79" name="ZoneTexte 78">
+            <a:extLst>
+              <a:ext uri="{FF2B5EF4-FFF2-40B4-BE49-F238E27FC236}">
+                <a16:creationId xmlns:a16="http://schemas.microsoft.com/office/drawing/2014/main" id="{506F0D33-3A80-E8AC-770B-2F81A3A9E004}"/>
+              </a:ext>
+            </a:extLst>
+          </p:cNvPr>
+          <p:cNvSpPr txBox="1"/>
+          <p:nvPr/>
+        </p:nvSpPr>
+        <p:spPr>
+          <a:xfrm>
+            <a:off x="259308" y="1718645"/>
+            <a:ext cx="627797" cy="230832"/>
+          </a:xfrm>
+          <a:prstGeom prst="rect">
+            <a:avLst/>
+          </a:prstGeom>
+          <a:noFill/>
+        </p:spPr>
+        <p:txBody>
+          <a:bodyPr wrap="square" rtlCol="0">
+            <a:spAutoFit/>
+          </a:bodyPr>
+          <a:lstStyle/>
+          <a:p>
+            <a:r>
+              <a:rPr lang="fr-CH" sz="900" dirty="0">
+                <a:solidFill>
+                  <a:srgbClr val="FF0000"/>
+                </a:solidFill>
+              </a:rPr>
+              <a:t>6</a:t>
+            </a:r>
+          </a:p>
+        </p:txBody>
+      </p:sp>
+      <p:sp>
+        <p:nvSpPr>
+          <p:cNvPr id="80" name="ZoneTexte 79">
+            <a:extLst>
+              <a:ext uri="{FF2B5EF4-FFF2-40B4-BE49-F238E27FC236}">
+                <a16:creationId xmlns:a16="http://schemas.microsoft.com/office/drawing/2014/main" id="{D4E642B4-2F50-6D9A-7FDE-23AAF0410048}"/>
+              </a:ext>
+            </a:extLst>
+          </p:cNvPr>
+          <p:cNvSpPr txBox="1"/>
+          <p:nvPr/>
+        </p:nvSpPr>
+        <p:spPr>
+          <a:xfrm>
+            <a:off x="227566" y="2457412"/>
+            <a:ext cx="627797" cy="230832"/>
+          </a:xfrm>
+          <a:prstGeom prst="rect">
+            <a:avLst/>
+          </a:prstGeom>
+          <a:noFill/>
+        </p:spPr>
+        <p:txBody>
+          <a:bodyPr wrap="square" rtlCol="0">
+            <a:spAutoFit/>
+          </a:bodyPr>
+          <a:lstStyle/>
+          <a:p>
+            <a:r>
+              <a:rPr lang="fr-CH" sz="900" dirty="0">
+                <a:solidFill>
+                  <a:srgbClr val="FF0000"/>
+                </a:solidFill>
+              </a:rPr>
+              <a:t>7</a:t>
+            </a:r>
+          </a:p>
+        </p:txBody>
+      </p:sp>
+      <p:sp>
+        <p:nvSpPr>
+          <p:cNvPr id="81" name="ZoneTexte 80">
+            <a:extLst>
+              <a:ext uri="{FF2B5EF4-FFF2-40B4-BE49-F238E27FC236}">
+                <a16:creationId xmlns:a16="http://schemas.microsoft.com/office/drawing/2014/main" id="{C74604B1-07C3-FEB2-9E5F-14AC95E7234C}"/>
+              </a:ext>
+            </a:extLst>
+          </p:cNvPr>
+          <p:cNvSpPr txBox="1"/>
+          <p:nvPr/>
+        </p:nvSpPr>
+        <p:spPr>
+          <a:xfrm>
+            <a:off x="195826" y="3196179"/>
+            <a:ext cx="712701" cy="230832"/>
+          </a:xfrm>
+          <a:prstGeom prst="rect">
+            <a:avLst/>
+          </a:prstGeom>
+          <a:noFill/>
+        </p:spPr>
+        <p:txBody>
+          <a:bodyPr wrap="square" rtlCol="0">
+            <a:spAutoFit/>
+          </a:bodyPr>
+          <a:lstStyle/>
+          <a:p>
+            <a:r>
+              <a:rPr lang="fr-CH" sz="900" dirty="0">
+                <a:solidFill>
+                  <a:srgbClr val="FF0000"/>
+                </a:solidFill>
+              </a:rPr>
+              <a:t>13</a:t>
+            </a:r>
+          </a:p>
+        </p:txBody>
+      </p:sp>
+      <p:sp>
+        <p:nvSpPr>
+          <p:cNvPr id="82" name="ZoneTexte 81">
+            <a:extLst>
+              <a:ext uri="{FF2B5EF4-FFF2-40B4-BE49-F238E27FC236}">
+                <a16:creationId xmlns:a16="http://schemas.microsoft.com/office/drawing/2014/main" id="{DF2588D3-292F-6B72-B606-332ADF0B2CDC}"/>
+              </a:ext>
+            </a:extLst>
+          </p:cNvPr>
+          <p:cNvSpPr txBox="1"/>
+          <p:nvPr/>
+        </p:nvSpPr>
+        <p:spPr>
+          <a:xfrm>
+            <a:off x="227567" y="3934946"/>
+            <a:ext cx="659538" cy="230832"/>
+          </a:xfrm>
+          <a:prstGeom prst="rect">
+            <a:avLst/>
+          </a:prstGeom>
+          <a:noFill/>
+        </p:spPr>
+        <p:txBody>
+          <a:bodyPr wrap="square" rtlCol="0">
+            <a:spAutoFit/>
+          </a:bodyPr>
+          <a:lstStyle/>
+          <a:p>
+            <a:r>
+              <a:rPr lang="fr-CH" sz="900" dirty="0">
+                <a:solidFill>
+                  <a:srgbClr val="FF0000"/>
+                </a:solidFill>
+              </a:rPr>
+              <a:t>19</a:t>
+            </a:r>
+          </a:p>
+        </p:txBody>
+      </p:sp>
+      <p:sp>
+        <p:nvSpPr>
+          <p:cNvPr id="83" name="ZoneTexte 82">
+            <a:extLst>
+              <a:ext uri="{FF2B5EF4-FFF2-40B4-BE49-F238E27FC236}">
+                <a16:creationId xmlns:a16="http://schemas.microsoft.com/office/drawing/2014/main" id="{E80EAF86-FA24-B1EE-126D-407212DD9462}"/>
+              </a:ext>
+            </a:extLst>
+          </p:cNvPr>
+          <p:cNvSpPr txBox="1"/>
+          <p:nvPr/>
+        </p:nvSpPr>
+        <p:spPr>
+          <a:xfrm>
+            <a:off x="1009944" y="1718645"/>
+            <a:ext cx="627797" cy="230832"/>
+          </a:xfrm>
+          <a:prstGeom prst="rect">
+            <a:avLst/>
+          </a:prstGeom>
+          <a:noFill/>
+        </p:spPr>
+        <p:txBody>
+          <a:bodyPr wrap="square" rtlCol="0">
+            <a:spAutoFit/>
+          </a:bodyPr>
+          <a:lstStyle/>
+          <a:p>
+            <a:r>
+              <a:rPr lang="fr-CH" sz="900" dirty="0">
+                <a:solidFill>
+                  <a:srgbClr val="FF0000"/>
+                </a:solidFill>
+              </a:rPr>
+              <a:t>5</a:t>
+            </a:r>
+          </a:p>
+        </p:txBody>
+      </p:sp>
+      <p:sp>
+        <p:nvSpPr>
+          <p:cNvPr id="84" name="ZoneTexte 83">
+            <a:extLst>
+              <a:ext uri="{FF2B5EF4-FFF2-40B4-BE49-F238E27FC236}">
+                <a16:creationId xmlns:a16="http://schemas.microsoft.com/office/drawing/2014/main" id="{7BB28331-DB28-1A45-09DC-7F5B098CA4ED}"/>
+              </a:ext>
+            </a:extLst>
+          </p:cNvPr>
+          <p:cNvSpPr txBox="1"/>
+          <p:nvPr/>
+        </p:nvSpPr>
+        <p:spPr>
+          <a:xfrm>
+            <a:off x="978202" y="2457412"/>
+            <a:ext cx="627797" cy="230832"/>
+          </a:xfrm>
+          <a:prstGeom prst="rect">
+            <a:avLst/>
+          </a:prstGeom>
+          <a:noFill/>
+        </p:spPr>
+        <p:txBody>
+          <a:bodyPr wrap="square" rtlCol="0">
+            <a:spAutoFit/>
+          </a:bodyPr>
+          <a:lstStyle/>
+          <a:p>
+            <a:r>
+              <a:rPr lang="fr-CH" sz="900" dirty="0">
+                <a:solidFill>
+                  <a:srgbClr val="FF0000"/>
+                </a:solidFill>
+              </a:rPr>
+              <a:t>8</a:t>
+            </a:r>
+          </a:p>
+        </p:txBody>
+      </p:sp>
+      <p:sp>
+        <p:nvSpPr>
+          <p:cNvPr id="85" name="ZoneTexte 84">
+            <a:extLst>
+              <a:ext uri="{FF2B5EF4-FFF2-40B4-BE49-F238E27FC236}">
+                <a16:creationId xmlns:a16="http://schemas.microsoft.com/office/drawing/2014/main" id="{5A7E7DF7-C6FB-2EA8-3330-575AF1849968}"/>
+              </a:ext>
+            </a:extLst>
+          </p:cNvPr>
+          <p:cNvSpPr txBox="1"/>
+          <p:nvPr/>
+        </p:nvSpPr>
+        <p:spPr>
+          <a:xfrm>
+            <a:off x="978203" y="3196179"/>
+            <a:ext cx="627797" cy="230832"/>
+          </a:xfrm>
+          <a:prstGeom prst="rect">
+            <a:avLst/>
+          </a:prstGeom>
+          <a:noFill/>
+        </p:spPr>
+        <p:txBody>
+          <a:bodyPr wrap="square" rtlCol="0">
+            <a:spAutoFit/>
+          </a:bodyPr>
+          <a:lstStyle/>
+          <a:p>
+            <a:r>
+              <a:rPr lang="fr-CH" sz="900" dirty="0">
+                <a:solidFill>
+                  <a:srgbClr val="FF0000"/>
+                </a:solidFill>
+              </a:rPr>
+              <a:t>14</a:t>
+            </a:r>
+          </a:p>
+        </p:txBody>
+      </p:sp>
+      <p:sp>
+        <p:nvSpPr>
+          <p:cNvPr id="86" name="ZoneTexte 85">
+            <a:extLst>
+              <a:ext uri="{FF2B5EF4-FFF2-40B4-BE49-F238E27FC236}">
+                <a16:creationId xmlns:a16="http://schemas.microsoft.com/office/drawing/2014/main" id="{A7EF327F-5B3A-1970-40FF-DFCF6ADA26E7}"/>
+              </a:ext>
+            </a:extLst>
+          </p:cNvPr>
+          <p:cNvSpPr txBox="1"/>
+          <p:nvPr/>
+        </p:nvSpPr>
+        <p:spPr>
+          <a:xfrm>
+            <a:off x="1009943" y="3934946"/>
+            <a:ext cx="627797" cy="230832"/>
+          </a:xfrm>
+          <a:prstGeom prst="rect">
+            <a:avLst/>
+          </a:prstGeom>
+          <a:noFill/>
+        </p:spPr>
+        <p:txBody>
+          <a:bodyPr wrap="square" rtlCol="0">
+            <a:spAutoFit/>
+          </a:bodyPr>
+          <a:lstStyle/>
+          <a:p>
+            <a:r>
+              <a:rPr lang="fr-CH" sz="900" dirty="0">
+                <a:solidFill>
+                  <a:srgbClr val="FF0000"/>
+                </a:solidFill>
+              </a:rPr>
+              <a:t>20</a:t>
+            </a:r>
+          </a:p>
+        </p:txBody>
+      </p:sp>
+      <p:sp>
+        <p:nvSpPr>
+          <p:cNvPr id="87" name="ZoneTexte 86">
+            <a:extLst>
+              <a:ext uri="{FF2B5EF4-FFF2-40B4-BE49-F238E27FC236}">
+                <a16:creationId xmlns:a16="http://schemas.microsoft.com/office/drawing/2014/main" id="{5E3706E3-F47B-FD65-5929-4478FA548F8C}"/>
+              </a:ext>
+            </a:extLst>
+          </p:cNvPr>
+          <p:cNvSpPr txBox="1"/>
+          <p:nvPr/>
+        </p:nvSpPr>
+        <p:spPr>
+          <a:xfrm>
+            <a:off x="1728838" y="1533979"/>
+            <a:ext cx="627797" cy="230832"/>
+          </a:xfrm>
+          <a:prstGeom prst="rect">
+            <a:avLst/>
+          </a:prstGeom>
+          <a:noFill/>
+        </p:spPr>
+        <p:txBody>
+          <a:bodyPr wrap="square" rtlCol="0">
+            <a:spAutoFit/>
+          </a:bodyPr>
+          <a:lstStyle/>
+          <a:p>
+            <a:r>
+              <a:rPr lang="fr-CH" sz="900" dirty="0">
+                <a:solidFill>
+                  <a:srgbClr val="FF0000"/>
+                </a:solidFill>
+              </a:rPr>
+              <a:t>4</a:t>
+            </a:r>
+          </a:p>
+        </p:txBody>
+      </p:sp>
+      <p:sp>
+        <p:nvSpPr>
+          <p:cNvPr id="88" name="ZoneTexte 87">
+            <a:extLst>
+              <a:ext uri="{FF2B5EF4-FFF2-40B4-BE49-F238E27FC236}">
+                <a16:creationId xmlns:a16="http://schemas.microsoft.com/office/drawing/2014/main" id="{E5C8E0CB-385E-54A2-93D9-DE3A8DA3CFEB}"/>
+              </a:ext>
+            </a:extLst>
+          </p:cNvPr>
+          <p:cNvSpPr txBox="1"/>
+          <p:nvPr/>
+        </p:nvSpPr>
+        <p:spPr>
+          <a:xfrm>
+            <a:off x="1697096" y="2272746"/>
+            <a:ext cx="627797" cy="230832"/>
+          </a:xfrm>
+          <a:prstGeom prst="rect">
+            <a:avLst/>
+          </a:prstGeom>
+          <a:noFill/>
+        </p:spPr>
+        <p:txBody>
+          <a:bodyPr wrap="square" rtlCol="0">
+            <a:spAutoFit/>
+          </a:bodyPr>
+          <a:lstStyle/>
+          <a:p>
+            <a:r>
+              <a:rPr lang="fr-CH" sz="900" dirty="0">
+                <a:solidFill>
+                  <a:srgbClr val="FF0000"/>
+                </a:solidFill>
+              </a:rPr>
+              <a:t>12</a:t>
+            </a:r>
+          </a:p>
+        </p:txBody>
+      </p:sp>
+      <p:sp>
+        <p:nvSpPr>
+          <p:cNvPr id="89" name="ZoneTexte 88">
+            <a:extLst>
+              <a:ext uri="{FF2B5EF4-FFF2-40B4-BE49-F238E27FC236}">
+                <a16:creationId xmlns:a16="http://schemas.microsoft.com/office/drawing/2014/main" id="{96E4B628-BC59-88DF-78C6-9218A5724461}"/>
+              </a:ext>
+            </a:extLst>
+          </p:cNvPr>
+          <p:cNvSpPr txBox="1"/>
+          <p:nvPr/>
+        </p:nvSpPr>
+        <p:spPr>
+          <a:xfrm>
+            <a:off x="1697097" y="3011513"/>
+            <a:ext cx="627797" cy="230832"/>
+          </a:xfrm>
+          <a:prstGeom prst="rect">
+            <a:avLst/>
+          </a:prstGeom>
+          <a:noFill/>
+        </p:spPr>
+        <p:txBody>
+          <a:bodyPr wrap="square" rtlCol="0">
+            <a:spAutoFit/>
+          </a:bodyPr>
+          <a:lstStyle/>
+          <a:p>
+            <a:r>
+              <a:rPr lang="fr-CH" sz="900" dirty="0">
+                <a:solidFill>
+                  <a:srgbClr val="FF0000"/>
+                </a:solidFill>
+              </a:rPr>
+              <a:t>15</a:t>
+            </a:r>
+          </a:p>
+        </p:txBody>
+      </p:sp>
+      <p:sp>
+        <p:nvSpPr>
+          <p:cNvPr id="90" name="ZoneTexte 89">
+            <a:extLst>
+              <a:ext uri="{FF2B5EF4-FFF2-40B4-BE49-F238E27FC236}">
+                <a16:creationId xmlns:a16="http://schemas.microsoft.com/office/drawing/2014/main" id="{7B16F05E-A097-4229-441B-CACAA272CE81}"/>
+              </a:ext>
+            </a:extLst>
+          </p:cNvPr>
+          <p:cNvSpPr txBox="1"/>
+          <p:nvPr/>
+        </p:nvSpPr>
+        <p:spPr>
+          <a:xfrm>
+            <a:off x="1728837" y="3750280"/>
+            <a:ext cx="627797" cy="230832"/>
+          </a:xfrm>
+          <a:prstGeom prst="rect">
+            <a:avLst/>
+          </a:prstGeom>
+          <a:noFill/>
+        </p:spPr>
+        <p:txBody>
+          <a:bodyPr wrap="square" rtlCol="0">
+            <a:spAutoFit/>
+          </a:bodyPr>
+          <a:lstStyle/>
+          <a:p>
+            <a:r>
+              <a:rPr lang="fr-CH" sz="900" dirty="0">
+                <a:solidFill>
+                  <a:srgbClr val="FF0000"/>
+                </a:solidFill>
+              </a:rPr>
+              <a:t>21</a:t>
+            </a:r>
+          </a:p>
+        </p:txBody>
+      </p:sp>
+      <p:sp>
+        <p:nvSpPr>
+          <p:cNvPr id="91" name="ZoneTexte 90">
+            <a:extLst>
+              <a:ext uri="{FF2B5EF4-FFF2-40B4-BE49-F238E27FC236}">
+                <a16:creationId xmlns:a16="http://schemas.microsoft.com/office/drawing/2014/main" id="{9C606CEB-8764-9A07-EA85-869BE0AF5FA1}"/>
+              </a:ext>
+            </a:extLst>
+          </p:cNvPr>
+          <p:cNvSpPr txBox="1"/>
+          <p:nvPr/>
+        </p:nvSpPr>
+        <p:spPr>
+          <a:xfrm>
+            <a:off x="2479474" y="1433534"/>
+            <a:ext cx="627797" cy="230832"/>
+          </a:xfrm>
+          <a:prstGeom prst="rect">
+            <a:avLst/>
+          </a:prstGeom>
+          <a:noFill/>
+        </p:spPr>
+        <p:txBody>
+          <a:bodyPr wrap="square" rtlCol="0">
+            <a:spAutoFit/>
+          </a:bodyPr>
+          <a:lstStyle/>
+          <a:p>
+            <a:r>
+              <a:rPr lang="fr-CH" sz="900" dirty="0">
+                <a:solidFill>
+                  <a:srgbClr val="FF0000"/>
+                </a:solidFill>
+              </a:rPr>
+              <a:t>3</a:t>
+            </a:r>
+          </a:p>
+        </p:txBody>
+      </p:sp>
+      <p:sp>
+        <p:nvSpPr>
+          <p:cNvPr id="92" name="ZoneTexte 91">
+            <a:extLst>
+              <a:ext uri="{FF2B5EF4-FFF2-40B4-BE49-F238E27FC236}">
+                <a16:creationId xmlns:a16="http://schemas.microsoft.com/office/drawing/2014/main" id="{25DB9307-D0F9-1456-54D4-8DDBAEAE9FAB}"/>
+              </a:ext>
+            </a:extLst>
+          </p:cNvPr>
+          <p:cNvSpPr txBox="1"/>
+          <p:nvPr/>
+        </p:nvSpPr>
+        <p:spPr>
+          <a:xfrm>
+            <a:off x="2447732" y="2172301"/>
+            <a:ext cx="627797" cy="230832"/>
+          </a:xfrm>
+          <a:prstGeom prst="rect">
+            <a:avLst/>
+          </a:prstGeom>
+          <a:noFill/>
+        </p:spPr>
+        <p:txBody>
+          <a:bodyPr wrap="square" rtlCol="0">
+            <a:spAutoFit/>
+          </a:bodyPr>
+          <a:lstStyle/>
+          <a:p>
+            <a:r>
+              <a:rPr lang="fr-CH" sz="900" dirty="0">
+                <a:solidFill>
+                  <a:srgbClr val="FF0000"/>
+                </a:solidFill>
+              </a:rPr>
+              <a:t>11</a:t>
+            </a:r>
+          </a:p>
+        </p:txBody>
+      </p:sp>
+      <p:sp>
+        <p:nvSpPr>
+          <p:cNvPr id="93" name="ZoneTexte 92">
+            <a:extLst>
+              <a:ext uri="{FF2B5EF4-FFF2-40B4-BE49-F238E27FC236}">
+                <a16:creationId xmlns:a16="http://schemas.microsoft.com/office/drawing/2014/main" id="{A2B92813-257F-9CF4-819C-6454E688CB60}"/>
+              </a:ext>
+            </a:extLst>
+          </p:cNvPr>
+          <p:cNvSpPr txBox="1"/>
+          <p:nvPr/>
+        </p:nvSpPr>
+        <p:spPr>
+          <a:xfrm>
+            <a:off x="2447733" y="2911068"/>
+            <a:ext cx="627797" cy="230832"/>
+          </a:xfrm>
+          <a:prstGeom prst="rect">
+            <a:avLst/>
+          </a:prstGeom>
+          <a:noFill/>
+        </p:spPr>
+        <p:txBody>
+          <a:bodyPr wrap="square" rtlCol="0">
+            <a:spAutoFit/>
+          </a:bodyPr>
+          <a:lstStyle/>
+          <a:p>
+            <a:r>
+              <a:rPr lang="fr-CH" sz="900" dirty="0">
+                <a:solidFill>
+                  <a:srgbClr val="FF0000"/>
+                </a:solidFill>
+              </a:rPr>
+              <a:t>16</a:t>
+            </a:r>
+          </a:p>
+        </p:txBody>
+      </p:sp>
+      <p:sp>
+        <p:nvSpPr>
+          <p:cNvPr id="94" name="ZoneTexte 93">
+            <a:extLst>
+              <a:ext uri="{FF2B5EF4-FFF2-40B4-BE49-F238E27FC236}">
+                <a16:creationId xmlns:a16="http://schemas.microsoft.com/office/drawing/2014/main" id="{C5EEA21A-CEAA-D58D-B3EE-78A055760DE7}"/>
+              </a:ext>
+            </a:extLst>
+          </p:cNvPr>
+          <p:cNvSpPr txBox="1"/>
+          <p:nvPr/>
+        </p:nvSpPr>
+        <p:spPr>
+          <a:xfrm>
+            <a:off x="2479473" y="3649835"/>
+            <a:ext cx="627797" cy="230832"/>
+          </a:xfrm>
+          <a:prstGeom prst="rect">
+            <a:avLst/>
+          </a:prstGeom>
+          <a:noFill/>
+        </p:spPr>
+        <p:txBody>
+          <a:bodyPr wrap="square" rtlCol="0">
+            <a:spAutoFit/>
+          </a:bodyPr>
+          <a:lstStyle/>
+          <a:p>
+            <a:r>
+              <a:rPr lang="fr-CH" sz="900" dirty="0">
+                <a:solidFill>
+                  <a:srgbClr val="FF0000"/>
+                </a:solidFill>
+              </a:rPr>
+              <a:t>22</a:t>
+            </a:r>
+          </a:p>
+        </p:txBody>
+      </p:sp>
+      <p:sp>
+        <p:nvSpPr>
+          <p:cNvPr id="95" name="ZoneTexte 94">
+            <a:extLst>
+              <a:ext uri="{FF2B5EF4-FFF2-40B4-BE49-F238E27FC236}">
+                <a16:creationId xmlns:a16="http://schemas.microsoft.com/office/drawing/2014/main" id="{3479DEA5-831F-F0F4-455A-C67B7F8E7624}"/>
+              </a:ext>
+            </a:extLst>
+          </p:cNvPr>
+          <p:cNvSpPr txBox="1"/>
+          <p:nvPr/>
+        </p:nvSpPr>
+        <p:spPr>
+          <a:xfrm>
+            <a:off x="3204734" y="1539995"/>
+            <a:ext cx="627797" cy="230832"/>
+          </a:xfrm>
+          <a:prstGeom prst="rect">
+            <a:avLst/>
+          </a:prstGeom>
+          <a:noFill/>
+        </p:spPr>
+        <p:txBody>
+          <a:bodyPr wrap="square" rtlCol="0">
+            <a:spAutoFit/>
+          </a:bodyPr>
+          <a:lstStyle/>
+          <a:p>
+            <a:r>
+              <a:rPr lang="fr-CH" sz="900" dirty="0">
+                <a:solidFill>
+                  <a:srgbClr val="FF0000"/>
+                </a:solidFill>
+              </a:rPr>
+              <a:t>2</a:t>
+            </a:r>
+          </a:p>
+        </p:txBody>
+      </p:sp>
+      <p:sp>
+        <p:nvSpPr>
+          <p:cNvPr id="96" name="ZoneTexte 95">
+            <a:extLst>
+              <a:ext uri="{FF2B5EF4-FFF2-40B4-BE49-F238E27FC236}">
+                <a16:creationId xmlns:a16="http://schemas.microsoft.com/office/drawing/2014/main" id="{13DC53AD-141C-D44E-27C7-B91313337725}"/>
+              </a:ext>
+            </a:extLst>
+          </p:cNvPr>
+          <p:cNvSpPr txBox="1"/>
+          <p:nvPr/>
+        </p:nvSpPr>
+        <p:spPr>
+          <a:xfrm>
+            <a:off x="3172992" y="2278762"/>
+            <a:ext cx="627797" cy="230832"/>
+          </a:xfrm>
+          <a:prstGeom prst="rect">
+            <a:avLst/>
+          </a:prstGeom>
+          <a:noFill/>
+        </p:spPr>
+        <p:txBody>
+          <a:bodyPr wrap="square" rtlCol="0">
+            <a:spAutoFit/>
+          </a:bodyPr>
+          <a:lstStyle/>
+          <a:p>
+            <a:r>
+              <a:rPr lang="fr-CH" sz="900" dirty="0">
+                <a:solidFill>
+                  <a:srgbClr val="FF0000"/>
+                </a:solidFill>
+              </a:rPr>
+              <a:t>10</a:t>
+            </a:r>
+          </a:p>
+        </p:txBody>
+      </p:sp>
+      <p:sp>
+        <p:nvSpPr>
+          <p:cNvPr id="97" name="ZoneTexte 96">
+            <a:extLst>
+              <a:ext uri="{FF2B5EF4-FFF2-40B4-BE49-F238E27FC236}">
+                <a16:creationId xmlns:a16="http://schemas.microsoft.com/office/drawing/2014/main" id="{19C41958-4941-6163-0149-38BE2ED99BA1}"/>
+              </a:ext>
+            </a:extLst>
+          </p:cNvPr>
+          <p:cNvSpPr txBox="1"/>
+          <p:nvPr/>
+        </p:nvSpPr>
+        <p:spPr>
+          <a:xfrm>
+            <a:off x="3172993" y="3017529"/>
+            <a:ext cx="627797" cy="230832"/>
+          </a:xfrm>
+          <a:prstGeom prst="rect">
+            <a:avLst/>
+          </a:prstGeom>
+          <a:noFill/>
+        </p:spPr>
+        <p:txBody>
+          <a:bodyPr wrap="square" rtlCol="0">
+            <a:spAutoFit/>
+          </a:bodyPr>
+          <a:lstStyle/>
+          <a:p>
+            <a:r>
+              <a:rPr lang="fr-CH" sz="900" dirty="0">
+                <a:solidFill>
+                  <a:srgbClr val="FF0000"/>
+                </a:solidFill>
+              </a:rPr>
+              <a:t>18</a:t>
+            </a:r>
+          </a:p>
+        </p:txBody>
+      </p:sp>
+      <p:sp>
+        <p:nvSpPr>
+          <p:cNvPr id="98" name="ZoneTexte 97">
+            <a:extLst>
+              <a:ext uri="{FF2B5EF4-FFF2-40B4-BE49-F238E27FC236}">
+                <a16:creationId xmlns:a16="http://schemas.microsoft.com/office/drawing/2014/main" id="{3D110800-4AB8-70D5-61FF-42818A30584F}"/>
+              </a:ext>
+            </a:extLst>
+          </p:cNvPr>
+          <p:cNvSpPr txBox="1"/>
+          <p:nvPr/>
+        </p:nvSpPr>
+        <p:spPr>
+          <a:xfrm>
+            <a:off x="3204733" y="3756296"/>
+            <a:ext cx="627797" cy="230832"/>
+          </a:xfrm>
+          <a:prstGeom prst="rect">
+            <a:avLst/>
+          </a:prstGeom>
+          <a:noFill/>
+        </p:spPr>
+        <p:txBody>
+          <a:bodyPr wrap="square" rtlCol="0">
+            <a:spAutoFit/>
+          </a:bodyPr>
+          <a:lstStyle/>
+          <a:p>
+            <a:r>
+              <a:rPr lang="fr-CH" sz="900" dirty="0">
+                <a:solidFill>
+                  <a:srgbClr val="FF0000"/>
+                </a:solidFill>
+              </a:rPr>
+              <a:t>23</a:t>
+            </a:r>
+          </a:p>
+        </p:txBody>
+      </p:sp>
+      <p:sp>
+        <p:nvSpPr>
+          <p:cNvPr id="99" name="ZoneTexte 98">
+            <a:extLst>
+              <a:ext uri="{FF2B5EF4-FFF2-40B4-BE49-F238E27FC236}">
+                <a16:creationId xmlns:a16="http://schemas.microsoft.com/office/drawing/2014/main" id="{161BA045-7044-7B2C-6A83-447F8A443268}"/>
+              </a:ext>
+            </a:extLst>
+          </p:cNvPr>
+          <p:cNvSpPr txBox="1"/>
+          <p:nvPr/>
+        </p:nvSpPr>
+        <p:spPr>
+          <a:xfrm>
+            <a:off x="3943687" y="1642264"/>
+            <a:ext cx="627797" cy="230832"/>
+          </a:xfrm>
+          <a:prstGeom prst="rect">
+            <a:avLst/>
+          </a:prstGeom>
+          <a:noFill/>
+        </p:spPr>
+        <p:txBody>
+          <a:bodyPr wrap="square" rtlCol="0">
+            <a:spAutoFit/>
+          </a:bodyPr>
+          <a:lstStyle/>
+          <a:p>
+            <a:r>
+              <a:rPr lang="fr-CH" sz="900" dirty="0">
+                <a:solidFill>
+                  <a:srgbClr val="FF0000"/>
+                </a:solidFill>
+              </a:rPr>
+              <a:t>1</a:t>
+            </a:r>
+          </a:p>
+        </p:txBody>
+      </p:sp>
+      <p:sp>
+        <p:nvSpPr>
+          <p:cNvPr id="100" name="ZoneTexte 99">
+            <a:extLst>
+              <a:ext uri="{FF2B5EF4-FFF2-40B4-BE49-F238E27FC236}">
+                <a16:creationId xmlns:a16="http://schemas.microsoft.com/office/drawing/2014/main" id="{113D09D5-B1C8-A945-DF1D-9BBA87E4453E}"/>
+              </a:ext>
+            </a:extLst>
+          </p:cNvPr>
+          <p:cNvSpPr txBox="1"/>
+          <p:nvPr/>
+        </p:nvSpPr>
+        <p:spPr>
+          <a:xfrm>
+            <a:off x="3911945" y="2381031"/>
+            <a:ext cx="627797" cy="230832"/>
+          </a:xfrm>
+          <a:prstGeom prst="rect">
+            <a:avLst/>
+          </a:prstGeom>
+          <a:noFill/>
+        </p:spPr>
+        <p:txBody>
+          <a:bodyPr wrap="square" rtlCol="0">
+            <a:spAutoFit/>
+          </a:bodyPr>
+          <a:lstStyle/>
+          <a:p>
+            <a:r>
+              <a:rPr lang="fr-CH" sz="900" dirty="0">
+                <a:solidFill>
+                  <a:srgbClr val="FF0000"/>
+                </a:solidFill>
+              </a:rPr>
+              <a:t>9</a:t>
+            </a:r>
+          </a:p>
+        </p:txBody>
+      </p:sp>
+      <p:sp>
+        <p:nvSpPr>
+          <p:cNvPr id="101" name="ZoneTexte 100">
+            <a:extLst>
+              <a:ext uri="{FF2B5EF4-FFF2-40B4-BE49-F238E27FC236}">
+                <a16:creationId xmlns:a16="http://schemas.microsoft.com/office/drawing/2014/main" id="{914D8BF5-8CA9-28A8-ECC9-8831A461B57A}"/>
+              </a:ext>
+            </a:extLst>
+          </p:cNvPr>
+          <p:cNvSpPr txBox="1"/>
+          <p:nvPr/>
+        </p:nvSpPr>
+        <p:spPr>
+          <a:xfrm>
+            <a:off x="3911946" y="3119798"/>
+            <a:ext cx="627797" cy="230832"/>
+          </a:xfrm>
+          <a:prstGeom prst="rect">
+            <a:avLst/>
+          </a:prstGeom>
+          <a:noFill/>
+        </p:spPr>
+        <p:txBody>
+          <a:bodyPr wrap="square" rtlCol="0">
+            <a:spAutoFit/>
+          </a:bodyPr>
+          <a:lstStyle/>
+          <a:p>
+            <a:r>
+              <a:rPr lang="fr-CH" sz="900" dirty="0">
+                <a:solidFill>
+                  <a:srgbClr val="FF0000"/>
+                </a:solidFill>
+              </a:rPr>
+              <a:t>17</a:t>
+            </a:r>
+          </a:p>
+        </p:txBody>
+      </p:sp>
+      <p:sp>
+        <p:nvSpPr>
+          <p:cNvPr id="102" name="ZoneTexte 101">
+            <a:extLst>
+              <a:ext uri="{FF2B5EF4-FFF2-40B4-BE49-F238E27FC236}">
+                <a16:creationId xmlns:a16="http://schemas.microsoft.com/office/drawing/2014/main" id="{7AD0693C-C355-BA60-272B-A3A2E6314A97}"/>
+              </a:ext>
+            </a:extLst>
+          </p:cNvPr>
+          <p:cNvSpPr txBox="1"/>
+          <p:nvPr/>
+        </p:nvSpPr>
+        <p:spPr>
+          <a:xfrm>
+            <a:off x="3943686" y="3858565"/>
+            <a:ext cx="627797" cy="230832"/>
+          </a:xfrm>
+          <a:prstGeom prst="rect">
+            <a:avLst/>
+          </a:prstGeom>
+          <a:noFill/>
+        </p:spPr>
+        <p:txBody>
+          <a:bodyPr wrap="square" rtlCol="0">
+            <a:spAutoFit/>
+          </a:bodyPr>
+          <a:lstStyle/>
+          <a:p>
+            <a:r>
+              <a:rPr lang="fr-CH" sz="900" dirty="0">
+                <a:solidFill>
+                  <a:srgbClr val="FF0000"/>
+                </a:solidFill>
+              </a:rPr>
+              <a:t>24</a:t>
+            </a:r>
+          </a:p>
+        </p:txBody>
+      </p:sp>
+      <p:sp>
+        <p:nvSpPr>
+          <p:cNvPr id="103" name="ZoneTexte 102">
+            <a:extLst>
+              <a:ext uri="{FF2B5EF4-FFF2-40B4-BE49-F238E27FC236}">
+                <a16:creationId xmlns:a16="http://schemas.microsoft.com/office/drawing/2014/main" id="{57ACD587-428E-5B13-2FD1-E05B1C31F6D7}"/>
+              </a:ext>
+            </a:extLst>
+          </p:cNvPr>
+          <p:cNvSpPr txBox="1"/>
+          <p:nvPr/>
+        </p:nvSpPr>
+        <p:spPr>
+          <a:xfrm>
+            <a:off x="1724828" y="4528323"/>
+            <a:ext cx="627797" cy="230832"/>
+          </a:xfrm>
+          <a:prstGeom prst="rect">
+            <a:avLst/>
+          </a:prstGeom>
+          <a:noFill/>
+        </p:spPr>
+        <p:txBody>
+          <a:bodyPr wrap="square" rtlCol="0">
+            <a:spAutoFit/>
+          </a:bodyPr>
+          <a:lstStyle/>
+          <a:p>
+            <a:r>
+              <a:rPr lang="fr-CH" sz="900" dirty="0">
+                <a:solidFill>
+                  <a:srgbClr val="FF0000"/>
+                </a:solidFill>
+              </a:rPr>
+              <a:t>25</a:t>
+            </a:r>
+          </a:p>
+        </p:txBody>
+      </p:sp>
+      <p:sp>
+        <p:nvSpPr>
+          <p:cNvPr id="104" name="ZoneTexte 103">
+            <a:extLst>
+              <a:ext uri="{FF2B5EF4-FFF2-40B4-BE49-F238E27FC236}">
+                <a16:creationId xmlns:a16="http://schemas.microsoft.com/office/drawing/2014/main" id="{10CB4881-263B-E980-35C2-C06CEB879277}"/>
+              </a:ext>
+            </a:extLst>
+          </p:cNvPr>
+          <p:cNvSpPr txBox="1"/>
+          <p:nvPr/>
+        </p:nvSpPr>
+        <p:spPr>
+          <a:xfrm>
+            <a:off x="2475464" y="4427878"/>
+            <a:ext cx="627797" cy="230832"/>
+          </a:xfrm>
+          <a:prstGeom prst="rect">
+            <a:avLst/>
+          </a:prstGeom>
+          <a:noFill/>
+        </p:spPr>
+        <p:txBody>
+          <a:bodyPr wrap="square" rtlCol="0">
+            <a:spAutoFit/>
+          </a:bodyPr>
+          <a:lstStyle/>
+          <a:p>
+            <a:r>
+              <a:rPr lang="fr-CH" sz="900" dirty="0">
+                <a:solidFill>
+                  <a:srgbClr val="FF0000"/>
+                </a:solidFill>
+              </a:rPr>
+              <a:t>26</a:t>
+            </a:r>
+          </a:p>
+        </p:txBody>
+      </p:sp>
+      <p:sp>
+        <p:nvSpPr>
+          <p:cNvPr id="105" name="ZoneTexte 104">
+            <a:extLst>
+              <a:ext uri="{FF2B5EF4-FFF2-40B4-BE49-F238E27FC236}">
+                <a16:creationId xmlns:a16="http://schemas.microsoft.com/office/drawing/2014/main" id="{6F8D14CA-8466-F394-78A3-72A37A22AE4C}"/>
+              </a:ext>
+            </a:extLst>
+          </p:cNvPr>
+          <p:cNvSpPr txBox="1"/>
+          <p:nvPr/>
+        </p:nvSpPr>
+        <p:spPr>
+          <a:xfrm>
+            <a:off x="3200724" y="4534339"/>
+            <a:ext cx="627797" cy="230832"/>
+          </a:xfrm>
+          <a:prstGeom prst="rect">
+            <a:avLst/>
+          </a:prstGeom>
+          <a:noFill/>
+        </p:spPr>
+        <p:txBody>
+          <a:bodyPr wrap="square" rtlCol="0">
+            <a:spAutoFit/>
+          </a:bodyPr>
+          <a:lstStyle/>
+          <a:p>
+            <a:r>
+              <a:rPr lang="fr-CH" sz="900" dirty="0">
+                <a:solidFill>
+                  <a:srgbClr val="FF0000"/>
+                </a:solidFill>
+              </a:rPr>
+              <a:t>27</a:t>
+            </a:r>
+          </a:p>
+        </p:txBody>
+      </p:sp>
+      <p:sp>
+        <p:nvSpPr>
+          <p:cNvPr id="106" name="ZoneTexte 105">
+            <a:extLst>
+              <a:ext uri="{FF2B5EF4-FFF2-40B4-BE49-F238E27FC236}">
+                <a16:creationId xmlns:a16="http://schemas.microsoft.com/office/drawing/2014/main" id="{6AED510F-3246-0D1F-BA82-F696E4FBDB20}"/>
+              </a:ext>
+            </a:extLst>
+          </p:cNvPr>
+          <p:cNvSpPr txBox="1"/>
+          <p:nvPr/>
+        </p:nvSpPr>
+        <p:spPr>
+          <a:xfrm>
+            <a:off x="4088895" y="4712989"/>
+            <a:ext cx="627797" cy="230832"/>
+          </a:xfrm>
+          <a:prstGeom prst="rect">
+            <a:avLst/>
+          </a:prstGeom>
+          <a:noFill/>
+        </p:spPr>
+        <p:txBody>
+          <a:bodyPr wrap="square" rtlCol="0">
+            <a:spAutoFit/>
+          </a:bodyPr>
+          <a:lstStyle/>
+          <a:p>
+            <a:r>
+              <a:rPr lang="fr-CH" sz="900" dirty="0">
+                <a:solidFill>
+                  <a:srgbClr val="FF0000"/>
+                </a:solidFill>
+              </a:rPr>
+              <a:t>28</a:t>
+            </a:r>
+          </a:p>
+        </p:txBody>
+      </p:sp>
+      <p:sp>
+        <p:nvSpPr>
+          <p:cNvPr id="107" name="ZoneTexte 106">
+            <a:extLst>
+              <a:ext uri="{FF2B5EF4-FFF2-40B4-BE49-F238E27FC236}">
+                <a16:creationId xmlns:a16="http://schemas.microsoft.com/office/drawing/2014/main" id="{CD9BA4CA-D3BC-A837-AEC4-29FE00D035B5}"/>
+              </a:ext>
+            </a:extLst>
+          </p:cNvPr>
+          <p:cNvSpPr txBox="1"/>
+          <p:nvPr/>
+        </p:nvSpPr>
+        <p:spPr>
+          <a:xfrm>
+            <a:off x="4806616" y="4917153"/>
+            <a:ext cx="848226" cy="230832"/>
+          </a:xfrm>
+          <a:prstGeom prst="rect">
+            <a:avLst/>
+          </a:prstGeom>
+          <a:noFill/>
+        </p:spPr>
+        <p:txBody>
+          <a:bodyPr wrap="square" rtlCol="0">
+            <a:spAutoFit/>
+          </a:bodyPr>
+          <a:lstStyle/>
+          <a:p>
+            <a:r>
+              <a:rPr lang="fr-CH" sz="900" dirty="0">
+                <a:solidFill>
+                  <a:srgbClr val="FF0000"/>
+                </a:solidFill>
+              </a:rPr>
+              <a:t>29</a:t>
+            </a:r>
+          </a:p>
+        </p:txBody>
+      </p:sp>
+      <p:sp>
+        <p:nvSpPr>
+          <p:cNvPr id="108" name="ZoneTexte 107">
+            <a:extLst>
+              <a:ext uri="{FF2B5EF4-FFF2-40B4-BE49-F238E27FC236}">
+                <a16:creationId xmlns:a16="http://schemas.microsoft.com/office/drawing/2014/main" id="{492E9604-0601-1FF3-9723-9F9F443E824F}"/>
+              </a:ext>
+            </a:extLst>
+          </p:cNvPr>
+          <p:cNvSpPr txBox="1"/>
+          <p:nvPr/>
+        </p:nvSpPr>
+        <p:spPr>
+          <a:xfrm>
+            <a:off x="8187107" y="1511684"/>
+            <a:ext cx="627797" cy="230832"/>
+          </a:xfrm>
+          <a:prstGeom prst="rect">
+            <a:avLst/>
+          </a:prstGeom>
+          <a:noFill/>
+        </p:spPr>
+        <p:txBody>
+          <a:bodyPr wrap="square" rtlCol="0">
+            <a:spAutoFit/>
+          </a:bodyPr>
+          <a:lstStyle/>
+          <a:p>
+            <a:r>
+              <a:rPr lang="fr-CH" sz="900" dirty="0">
+                <a:solidFill>
+                  <a:srgbClr val="FF0000"/>
+                </a:solidFill>
+              </a:rPr>
+              <a:t>2</a:t>
+            </a:r>
+          </a:p>
+        </p:txBody>
+      </p:sp>
+      <p:sp>
+        <p:nvSpPr>
+          <p:cNvPr id="109" name="ZoneTexte 108">
+            <a:extLst>
+              <a:ext uri="{FF2B5EF4-FFF2-40B4-BE49-F238E27FC236}">
+                <a16:creationId xmlns:a16="http://schemas.microsoft.com/office/drawing/2014/main" id="{E0435F16-A4C7-2756-F6D8-DC7464E61B00}"/>
+              </a:ext>
+            </a:extLst>
+          </p:cNvPr>
+          <p:cNvSpPr txBox="1"/>
+          <p:nvPr/>
+        </p:nvSpPr>
+        <p:spPr>
+          <a:xfrm>
+            <a:off x="8155365" y="2250451"/>
+            <a:ext cx="627797" cy="230832"/>
+          </a:xfrm>
+          <a:prstGeom prst="rect">
+            <a:avLst/>
+          </a:prstGeom>
+          <a:noFill/>
+        </p:spPr>
+        <p:txBody>
+          <a:bodyPr wrap="square" rtlCol="0">
+            <a:spAutoFit/>
+          </a:bodyPr>
+          <a:lstStyle/>
+          <a:p>
+            <a:r>
+              <a:rPr lang="fr-CH" sz="900" dirty="0">
+                <a:solidFill>
+                  <a:srgbClr val="FF0000"/>
+                </a:solidFill>
+              </a:rPr>
+              <a:t>10</a:t>
+            </a:r>
+          </a:p>
+        </p:txBody>
+      </p:sp>
+      <p:sp>
+        <p:nvSpPr>
+          <p:cNvPr id="110" name="ZoneTexte 109">
+            <a:extLst>
+              <a:ext uri="{FF2B5EF4-FFF2-40B4-BE49-F238E27FC236}">
+                <a16:creationId xmlns:a16="http://schemas.microsoft.com/office/drawing/2014/main" id="{E6216FBB-F705-5108-5122-2F3101792DBB}"/>
+              </a:ext>
+            </a:extLst>
+          </p:cNvPr>
+          <p:cNvSpPr txBox="1"/>
+          <p:nvPr/>
+        </p:nvSpPr>
+        <p:spPr>
+          <a:xfrm>
+            <a:off x="8155366" y="2989218"/>
+            <a:ext cx="627797" cy="230832"/>
+          </a:xfrm>
+          <a:prstGeom prst="rect">
+            <a:avLst/>
+          </a:prstGeom>
+          <a:noFill/>
+        </p:spPr>
+        <p:txBody>
+          <a:bodyPr wrap="square" rtlCol="0">
+            <a:spAutoFit/>
+          </a:bodyPr>
+          <a:lstStyle/>
+          <a:p>
+            <a:r>
+              <a:rPr lang="fr-CH" sz="900" dirty="0">
+                <a:solidFill>
+                  <a:srgbClr val="FF0000"/>
+                </a:solidFill>
+              </a:rPr>
+              <a:t>18</a:t>
+            </a:r>
+          </a:p>
+        </p:txBody>
+      </p:sp>
+      <p:sp>
+        <p:nvSpPr>
+          <p:cNvPr id="111" name="ZoneTexte 110">
+            <a:extLst>
+              <a:ext uri="{FF2B5EF4-FFF2-40B4-BE49-F238E27FC236}">
+                <a16:creationId xmlns:a16="http://schemas.microsoft.com/office/drawing/2014/main" id="{2CDC9AFF-462E-0F46-C100-E13A98CA8F00}"/>
+              </a:ext>
+            </a:extLst>
+          </p:cNvPr>
+          <p:cNvSpPr txBox="1"/>
+          <p:nvPr/>
+        </p:nvSpPr>
+        <p:spPr>
+          <a:xfrm>
+            <a:off x="8187106" y="3727985"/>
+            <a:ext cx="627797" cy="230832"/>
+          </a:xfrm>
+          <a:prstGeom prst="rect">
+            <a:avLst/>
+          </a:prstGeom>
+          <a:noFill/>
+        </p:spPr>
+        <p:txBody>
+          <a:bodyPr wrap="square" rtlCol="0">
+            <a:spAutoFit/>
+          </a:bodyPr>
+          <a:lstStyle/>
+          <a:p>
+            <a:r>
+              <a:rPr lang="fr-CH" sz="900" dirty="0">
+                <a:solidFill>
+                  <a:srgbClr val="FF0000"/>
+                </a:solidFill>
+              </a:rPr>
+              <a:t>23</a:t>
+            </a:r>
+          </a:p>
+        </p:txBody>
+      </p:sp>
+      <p:sp>
+        <p:nvSpPr>
+          <p:cNvPr id="112" name="ZoneTexte 111">
+            <a:extLst>
+              <a:ext uri="{FF2B5EF4-FFF2-40B4-BE49-F238E27FC236}">
+                <a16:creationId xmlns:a16="http://schemas.microsoft.com/office/drawing/2014/main" id="{7A2A7C33-6CF8-6915-FB8A-00680396D5D9}"/>
+              </a:ext>
+            </a:extLst>
+          </p:cNvPr>
+          <p:cNvSpPr txBox="1"/>
+          <p:nvPr/>
+        </p:nvSpPr>
+        <p:spPr>
+          <a:xfrm>
+            <a:off x="8937743" y="1411239"/>
+            <a:ext cx="627797" cy="230832"/>
+          </a:xfrm>
+          <a:prstGeom prst="rect">
+            <a:avLst/>
+          </a:prstGeom>
+          <a:noFill/>
+        </p:spPr>
+        <p:txBody>
+          <a:bodyPr wrap="square" rtlCol="0">
+            <a:spAutoFit/>
+          </a:bodyPr>
+          <a:lstStyle/>
+          <a:p>
+            <a:r>
+              <a:rPr lang="fr-CH" sz="900" dirty="0">
+                <a:solidFill>
+                  <a:srgbClr val="FF0000"/>
+                </a:solidFill>
+              </a:rPr>
+              <a:t>3</a:t>
+            </a:r>
+          </a:p>
+        </p:txBody>
+      </p:sp>
+      <p:sp>
+        <p:nvSpPr>
+          <p:cNvPr id="113" name="ZoneTexte 112">
+            <a:extLst>
+              <a:ext uri="{FF2B5EF4-FFF2-40B4-BE49-F238E27FC236}">
+                <a16:creationId xmlns:a16="http://schemas.microsoft.com/office/drawing/2014/main" id="{C51612F1-3325-67DB-6C8B-F84E16879181}"/>
+              </a:ext>
+            </a:extLst>
+          </p:cNvPr>
+          <p:cNvSpPr txBox="1"/>
+          <p:nvPr/>
+        </p:nvSpPr>
+        <p:spPr>
+          <a:xfrm>
+            <a:off x="8906001" y="2150006"/>
+            <a:ext cx="627797" cy="230832"/>
+          </a:xfrm>
+          <a:prstGeom prst="rect">
+            <a:avLst/>
+          </a:prstGeom>
+          <a:noFill/>
+        </p:spPr>
+        <p:txBody>
+          <a:bodyPr wrap="square" rtlCol="0">
+            <a:spAutoFit/>
+          </a:bodyPr>
+          <a:lstStyle/>
+          <a:p>
+            <a:r>
+              <a:rPr lang="fr-CH" sz="900" dirty="0">
+                <a:solidFill>
+                  <a:srgbClr val="FF0000"/>
+                </a:solidFill>
+              </a:rPr>
+              <a:t>11</a:t>
+            </a:r>
+          </a:p>
+        </p:txBody>
+      </p:sp>
+      <p:sp>
+        <p:nvSpPr>
+          <p:cNvPr id="114" name="ZoneTexte 113">
+            <a:extLst>
+              <a:ext uri="{FF2B5EF4-FFF2-40B4-BE49-F238E27FC236}">
+                <a16:creationId xmlns:a16="http://schemas.microsoft.com/office/drawing/2014/main" id="{AE5FAEC0-4E0B-52A5-ABA9-5B534E92D321}"/>
+              </a:ext>
+            </a:extLst>
+          </p:cNvPr>
+          <p:cNvSpPr txBox="1"/>
+          <p:nvPr/>
+        </p:nvSpPr>
+        <p:spPr>
+          <a:xfrm>
+            <a:off x="8906002" y="2888773"/>
+            <a:ext cx="627797" cy="230832"/>
+          </a:xfrm>
+          <a:prstGeom prst="rect">
+            <a:avLst/>
+          </a:prstGeom>
+          <a:noFill/>
+        </p:spPr>
+        <p:txBody>
+          <a:bodyPr wrap="square" rtlCol="0">
+            <a:spAutoFit/>
+          </a:bodyPr>
+          <a:lstStyle/>
+          <a:p>
+            <a:r>
+              <a:rPr lang="fr-CH" sz="900" dirty="0">
+                <a:solidFill>
+                  <a:srgbClr val="FF0000"/>
+                </a:solidFill>
+              </a:rPr>
+              <a:t>16</a:t>
+            </a:r>
+          </a:p>
+        </p:txBody>
+      </p:sp>
+      <p:sp>
+        <p:nvSpPr>
+          <p:cNvPr id="115" name="ZoneTexte 114">
+            <a:extLst>
+              <a:ext uri="{FF2B5EF4-FFF2-40B4-BE49-F238E27FC236}">
+                <a16:creationId xmlns:a16="http://schemas.microsoft.com/office/drawing/2014/main" id="{8AA08E35-7E86-79F3-FA01-1EE9A4F20081}"/>
+              </a:ext>
+            </a:extLst>
+          </p:cNvPr>
+          <p:cNvSpPr txBox="1"/>
+          <p:nvPr/>
+        </p:nvSpPr>
+        <p:spPr>
+          <a:xfrm>
+            <a:off x="8937742" y="3627540"/>
+            <a:ext cx="627797" cy="230832"/>
+          </a:xfrm>
+          <a:prstGeom prst="rect">
+            <a:avLst/>
+          </a:prstGeom>
+          <a:noFill/>
+        </p:spPr>
+        <p:txBody>
+          <a:bodyPr wrap="square" rtlCol="0">
+            <a:spAutoFit/>
+          </a:bodyPr>
+          <a:lstStyle/>
+          <a:p>
+            <a:r>
+              <a:rPr lang="fr-CH" sz="900" dirty="0">
+                <a:solidFill>
+                  <a:srgbClr val="FF0000"/>
+                </a:solidFill>
+              </a:rPr>
+              <a:t>22</a:t>
+            </a:r>
+          </a:p>
+        </p:txBody>
+      </p:sp>
+      <p:sp>
+        <p:nvSpPr>
+          <p:cNvPr id="116" name="ZoneTexte 115">
+            <a:extLst>
+              <a:ext uri="{FF2B5EF4-FFF2-40B4-BE49-F238E27FC236}">
+                <a16:creationId xmlns:a16="http://schemas.microsoft.com/office/drawing/2014/main" id="{6365D93C-B985-43D4-455B-F0406AE8422F}"/>
+              </a:ext>
+            </a:extLst>
+          </p:cNvPr>
+          <p:cNvSpPr txBox="1"/>
+          <p:nvPr/>
+        </p:nvSpPr>
+        <p:spPr>
+          <a:xfrm>
+            <a:off x="9663003" y="1517700"/>
+            <a:ext cx="627797" cy="230832"/>
+          </a:xfrm>
+          <a:prstGeom prst="rect">
+            <a:avLst/>
+          </a:prstGeom>
+          <a:noFill/>
+        </p:spPr>
+        <p:txBody>
+          <a:bodyPr wrap="square" rtlCol="0">
+            <a:spAutoFit/>
+          </a:bodyPr>
+          <a:lstStyle/>
+          <a:p>
+            <a:r>
+              <a:rPr lang="fr-CH" sz="900" dirty="0">
+                <a:solidFill>
+                  <a:srgbClr val="FF0000"/>
+                </a:solidFill>
+              </a:rPr>
+              <a:t>4</a:t>
+            </a:r>
+          </a:p>
+        </p:txBody>
+      </p:sp>
+      <p:sp>
+        <p:nvSpPr>
+          <p:cNvPr id="117" name="ZoneTexte 116">
+            <a:extLst>
+              <a:ext uri="{FF2B5EF4-FFF2-40B4-BE49-F238E27FC236}">
+                <a16:creationId xmlns:a16="http://schemas.microsoft.com/office/drawing/2014/main" id="{36BF1983-B0D3-5A59-C25E-15C2FDAECD3F}"/>
+              </a:ext>
+            </a:extLst>
+          </p:cNvPr>
+          <p:cNvSpPr txBox="1"/>
+          <p:nvPr/>
+        </p:nvSpPr>
+        <p:spPr>
+          <a:xfrm>
+            <a:off x="9631261" y="2256467"/>
+            <a:ext cx="627797" cy="230832"/>
+          </a:xfrm>
+          <a:prstGeom prst="rect">
+            <a:avLst/>
+          </a:prstGeom>
+          <a:noFill/>
+        </p:spPr>
+        <p:txBody>
+          <a:bodyPr wrap="square" rtlCol="0">
+            <a:spAutoFit/>
+          </a:bodyPr>
+          <a:lstStyle/>
+          <a:p>
+            <a:r>
+              <a:rPr lang="fr-CH" sz="900" dirty="0">
+                <a:solidFill>
+                  <a:srgbClr val="FF0000"/>
+                </a:solidFill>
+              </a:rPr>
+              <a:t>12</a:t>
+            </a:r>
+          </a:p>
+        </p:txBody>
+      </p:sp>
+      <p:sp>
+        <p:nvSpPr>
+          <p:cNvPr id="118" name="ZoneTexte 117">
+            <a:extLst>
+              <a:ext uri="{FF2B5EF4-FFF2-40B4-BE49-F238E27FC236}">
+                <a16:creationId xmlns:a16="http://schemas.microsoft.com/office/drawing/2014/main" id="{16EFDCED-0778-37BC-FB9F-772F3AB05A23}"/>
+              </a:ext>
+            </a:extLst>
+          </p:cNvPr>
+          <p:cNvSpPr txBox="1"/>
+          <p:nvPr/>
+        </p:nvSpPr>
+        <p:spPr>
+          <a:xfrm>
+            <a:off x="9631262" y="2995234"/>
+            <a:ext cx="627797" cy="230832"/>
+          </a:xfrm>
+          <a:prstGeom prst="rect">
+            <a:avLst/>
+          </a:prstGeom>
+          <a:noFill/>
+        </p:spPr>
+        <p:txBody>
+          <a:bodyPr wrap="square" rtlCol="0">
+            <a:spAutoFit/>
+          </a:bodyPr>
+          <a:lstStyle/>
+          <a:p>
+            <a:r>
+              <a:rPr lang="fr-CH" sz="900" dirty="0">
+                <a:solidFill>
+                  <a:srgbClr val="FF0000"/>
+                </a:solidFill>
+              </a:rPr>
+              <a:t>15</a:t>
+            </a:r>
+          </a:p>
+        </p:txBody>
+      </p:sp>
+      <p:sp>
+        <p:nvSpPr>
+          <p:cNvPr id="119" name="ZoneTexte 118">
+            <a:extLst>
+              <a:ext uri="{FF2B5EF4-FFF2-40B4-BE49-F238E27FC236}">
+                <a16:creationId xmlns:a16="http://schemas.microsoft.com/office/drawing/2014/main" id="{10ABCBAD-0503-674C-AFE2-FFB9A3C91924}"/>
+              </a:ext>
+            </a:extLst>
+          </p:cNvPr>
+          <p:cNvSpPr txBox="1"/>
+          <p:nvPr/>
+        </p:nvSpPr>
+        <p:spPr>
+          <a:xfrm>
+            <a:off x="9663002" y="3734001"/>
+            <a:ext cx="627797" cy="230832"/>
+          </a:xfrm>
+          <a:prstGeom prst="rect">
+            <a:avLst/>
+          </a:prstGeom>
+          <a:noFill/>
+        </p:spPr>
+        <p:txBody>
+          <a:bodyPr wrap="square" rtlCol="0">
+            <a:spAutoFit/>
+          </a:bodyPr>
+          <a:lstStyle/>
+          <a:p>
+            <a:r>
+              <a:rPr lang="fr-CH" sz="900" dirty="0">
+                <a:solidFill>
+                  <a:srgbClr val="FF0000"/>
+                </a:solidFill>
+              </a:rPr>
+              <a:t>21</a:t>
+            </a:r>
+          </a:p>
+        </p:txBody>
+      </p:sp>
+      <p:sp>
+        <p:nvSpPr>
+          <p:cNvPr id="120" name="ZoneTexte 119">
+            <a:extLst>
+              <a:ext uri="{FF2B5EF4-FFF2-40B4-BE49-F238E27FC236}">
+                <a16:creationId xmlns:a16="http://schemas.microsoft.com/office/drawing/2014/main" id="{CF55AA83-DF38-10DD-E80E-E2D8DC8FD411}"/>
+              </a:ext>
+            </a:extLst>
+          </p:cNvPr>
+          <p:cNvSpPr txBox="1"/>
+          <p:nvPr/>
+        </p:nvSpPr>
+        <p:spPr>
+          <a:xfrm>
+            <a:off x="8183097" y="4506028"/>
+            <a:ext cx="627797" cy="230832"/>
+          </a:xfrm>
+          <a:prstGeom prst="rect">
+            <a:avLst/>
+          </a:prstGeom>
+          <a:noFill/>
+        </p:spPr>
+        <p:txBody>
+          <a:bodyPr wrap="square" rtlCol="0">
+            <a:spAutoFit/>
+          </a:bodyPr>
+          <a:lstStyle/>
+          <a:p>
+            <a:r>
+              <a:rPr lang="fr-CH" sz="900" dirty="0">
+                <a:solidFill>
+                  <a:srgbClr val="FF0000"/>
+                </a:solidFill>
+              </a:rPr>
+              <a:t>27</a:t>
+            </a:r>
+          </a:p>
+        </p:txBody>
+      </p:sp>
+      <p:sp>
+        <p:nvSpPr>
+          <p:cNvPr id="121" name="ZoneTexte 120">
+            <a:extLst>
+              <a:ext uri="{FF2B5EF4-FFF2-40B4-BE49-F238E27FC236}">
+                <a16:creationId xmlns:a16="http://schemas.microsoft.com/office/drawing/2014/main" id="{BDD92621-02FF-2BFF-C596-C8F58D4BA8DA}"/>
+              </a:ext>
+            </a:extLst>
+          </p:cNvPr>
+          <p:cNvSpPr txBox="1"/>
+          <p:nvPr/>
+        </p:nvSpPr>
+        <p:spPr>
+          <a:xfrm>
+            <a:off x="8933733" y="4405583"/>
+            <a:ext cx="627797" cy="230832"/>
+          </a:xfrm>
+          <a:prstGeom prst="rect">
+            <a:avLst/>
+          </a:prstGeom>
+          <a:noFill/>
+        </p:spPr>
+        <p:txBody>
+          <a:bodyPr wrap="square" rtlCol="0">
+            <a:spAutoFit/>
+          </a:bodyPr>
+          <a:lstStyle/>
+          <a:p>
+            <a:r>
+              <a:rPr lang="fr-CH" sz="900" dirty="0">
+                <a:solidFill>
+                  <a:srgbClr val="FF0000"/>
+                </a:solidFill>
+              </a:rPr>
+              <a:t>26</a:t>
+            </a:r>
+          </a:p>
+        </p:txBody>
+      </p:sp>
+      <p:sp>
+        <p:nvSpPr>
+          <p:cNvPr id="122" name="ZoneTexte 121">
+            <a:extLst>
+              <a:ext uri="{FF2B5EF4-FFF2-40B4-BE49-F238E27FC236}">
+                <a16:creationId xmlns:a16="http://schemas.microsoft.com/office/drawing/2014/main" id="{3682EB1F-C7A8-1319-149A-AC0A739B60C6}"/>
+              </a:ext>
+            </a:extLst>
+          </p:cNvPr>
+          <p:cNvSpPr txBox="1"/>
+          <p:nvPr/>
+        </p:nvSpPr>
+        <p:spPr>
+          <a:xfrm>
+            <a:off x="9658993" y="4512044"/>
+            <a:ext cx="627797" cy="230832"/>
+          </a:xfrm>
+          <a:prstGeom prst="rect">
+            <a:avLst/>
+          </a:prstGeom>
+          <a:noFill/>
+        </p:spPr>
+        <p:txBody>
+          <a:bodyPr wrap="square" rtlCol="0">
+            <a:spAutoFit/>
+          </a:bodyPr>
+          <a:lstStyle/>
+          <a:p>
+            <a:r>
+              <a:rPr lang="fr-CH" sz="900" dirty="0">
+                <a:solidFill>
+                  <a:srgbClr val="FF0000"/>
+                </a:solidFill>
+              </a:rPr>
+              <a:t>25</a:t>
+            </a:r>
+          </a:p>
+        </p:txBody>
+      </p:sp>
+      <p:sp>
+        <p:nvSpPr>
+          <p:cNvPr id="123" name="ZoneTexte 122">
+            <a:extLst>
+              <a:ext uri="{FF2B5EF4-FFF2-40B4-BE49-F238E27FC236}">
+                <a16:creationId xmlns:a16="http://schemas.microsoft.com/office/drawing/2014/main" id="{DDC74CB6-6894-F97C-74D7-298D12BE58F5}"/>
+              </a:ext>
+            </a:extLst>
+          </p:cNvPr>
+          <p:cNvSpPr txBox="1"/>
+          <p:nvPr/>
+        </p:nvSpPr>
+        <p:spPr>
+          <a:xfrm>
+            <a:off x="10392213" y="1718645"/>
+            <a:ext cx="627797" cy="230832"/>
+          </a:xfrm>
+          <a:prstGeom prst="rect">
+            <a:avLst/>
+          </a:prstGeom>
+          <a:noFill/>
+        </p:spPr>
+        <p:txBody>
+          <a:bodyPr wrap="square" rtlCol="0">
+            <a:spAutoFit/>
+          </a:bodyPr>
+          <a:lstStyle/>
+          <a:p>
+            <a:r>
+              <a:rPr lang="fr-CH" sz="900" dirty="0">
+                <a:solidFill>
+                  <a:srgbClr val="FF0000"/>
+                </a:solidFill>
+              </a:rPr>
+              <a:t>5</a:t>
+            </a:r>
+          </a:p>
+        </p:txBody>
+      </p:sp>
+      <p:sp>
+        <p:nvSpPr>
+          <p:cNvPr id="124" name="ZoneTexte 123">
+            <a:extLst>
+              <a:ext uri="{FF2B5EF4-FFF2-40B4-BE49-F238E27FC236}">
+                <a16:creationId xmlns:a16="http://schemas.microsoft.com/office/drawing/2014/main" id="{1FE6A5F1-8EDF-61B5-AFF4-17FA0989B9CB}"/>
+              </a:ext>
+            </a:extLst>
+          </p:cNvPr>
+          <p:cNvSpPr txBox="1"/>
+          <p:nvPr/>
+        </p:nvSpPr>
+        <p:spPr>
+          <a:xfrm>
+            <a:off x="10360471" y="2457412"/>
+            <a:ext cx="627797" cy="230832"/>
+          </a:xfrm>
+          <a:prstGeom prst="rect">
+            <a:avLst/>
+          </a:prstGeom>
+          <a:noFill/>
+        </p:spPr>
+        <p:txBody>
+          <a:bodyPr wrap="square" rtlCol="0">
+            <a:spAutoFit/>
+          </a:bodyPr>
+          <a:lstStyle/>
+          <a:p>
+            <a:r>
+              <a:rPr lang="fr-CH" sz="900" dirty="0">
+                <a:solidFill>
+                  <a:srgbClr val="FF0000"/>
+                </a:solidFill>
+              </a:rPr>
+              <a:t>8</a:t>
+            </a:r>
+          </a:p>
+        </p:txBody>
+      </p:sp>
+      <p:sp>
+        <p:nvSpPr>
+          <p:cNvPr id="125" name="ZoneTexte 124">
+            <a:extLst>
+              <a:ext uri="{FF2B5EF4-FFF2-40B4-BE49-F238E27FC236}">
+                <a16:creationId xmlns:a16="http://schemas.microsoft.com/office/drawing/2014/main" id="{1E5CD1DF-7FAE-B301-87FF-F899942C6CB2}"/>
+              </a:ext>
+            </a:extLst>
+          </p:cNvPr>
+          <p:cNvSpPr txBox="1"/>
+          <p:nvPr/>
+        </p:nvSpPr>
+        <p:spPr>
+          <a:xfrm>
+            <a:off x="10360472" y="3196179"/>
+            <a:ext cx="627797" cy="230832"/>
+          </a:xfrm>
+          <a:prstGeom prst="rect">
+            <a:avLst/>
+          </a:prstGeom>
+          <a:noFill/>
+        </p:spPr>
+        <p:txBody>
+          <a:bodyPr wrap="square" rtlCol="0">
+            <a:spAutoFit/>
+          </a:bodyPr>
+          <a:lstStyle/>
+          <a:p>
+            <a:r>
+              <a:rPr lang="fr-CH" sz="900" dirty="0">
+                <a:solidFill>
+                  <a:srgbClr val="FF0000"/>
+                </a:solidFill>
+              </a:rPr>
+              <a:t>14</a:t>
+            </a:r>
+          </a:p>
+        </p:txBody>
+      </p:sp>
+      <p:sp>
+        <p:nvSpPr>
+          <p:cNvPr id="126" name="ZoneTexte 125">
+            <a:extLst>
+              <a:ext uri="{FF2B5EF4-FFF2-40B4-BE49-F238E27FC236}">
+                <a16:creationId xmlns:a16="http://schemas.microsoft.com/office/drawing/2014/main" id="{81F0C846-FE6A-42A4-FD0A-EF793BA3FE37}"/>
+              </a:ext>
+            </a:extLst>
+          </p:cNvPr>
+          <p:cNvSpPr txBox="1"/>
+          <p:nvPr/>
+        </p:nvSpPr>
+        <p:spPr>
+          <a:xfrm>
+            <a:off x="10392212" y="3934946"/>
+            <a:ext cx="627797" cy="230832"/>
+          </a:xfrm>
+          <a:prstGeom prst="rect">
+            <a:avLst/>
+          </a:prstGeom>
+          <a:noFill/>
+        </p:spPr>
+        <p:txBody>
+          <a:bodyPr wrap="square" rtlCol="0">
+            <a:spAutoFit/>
+          </a:bodyPr>
+          <a:lstStyle/>
+          <a:p>
+            <a:r>
+              <a:rPr lang="fr-CH" sz="900" dirty="0">
+                <a:solidFill>
+                  <a:srgbClr val="FF0000"/>
+                </a:solidFill>
+              </a:rPr>
+              <a:t>20</a:t>
+            </a:r>
+          </a:p>
+        </p:txBody>
+      </p:sp>
+      <p:sp>
+        <p:nvSpPr>
+          <p:cNvPr id="127" name="ZoneTexte 126">
+            <a:extLst>
+              <a:ext uri="{FF2B5EF4-FFF2-40B4-BE49-F238E27FC236}">
+                <a16:creationId xmlns:a16="http://schemas.microsoft.com/office/drawing/2014/main" id="{988C1608-F389-169B-EC9C-722017E5288C}"/>
+              </a:ext>
+            </a:extLst>
+          </p:cNvPr>
+          <p:cNvSpPr txBox="1"/>
+          <p:nvPr/>
+        </p:nvSpPr>
+        <p:spPr>
+          <a:xfrm>
+            <a:off x="11142849" y="1718645"/>
+            <a:ext cx="627797" cy="230832"/>
+          </a:xfrm>
+          <a:prstGeom prst="rect">
+            <a:avLst/>
+          </a:prstGeom>
+          <a:noFill/>
+        </p:spPr>
+        <p:txBody>
+          <a:bodyPr wrap="square" rtlCol="0">
+            <a:spAutoFit/>
+          </a:bodyPr>
+          <a:lstStyle/>
+          <a:p>
+            <a:r>
+              <a:rPr lang="fr-CH" sz="900" dirty="0">
+                <a:solidFill>
+                  <a:srgbClr val="FF0000"/>
+                </a:solidFill>
+              </a:rPr>
+              <a:t>6</a:t>
+            </a:r>
+          </a:p>
+        </p:txBody>
+      </p:sp>
+      <p:sp>
+        <p:nvSpPr>
+          <p:cNvPr id="128" name="ZoneTexte 127">
+            <a:extLst>
+              <a:ext uri="{FF2B5EF4-FFF2-40B4-BE49-F238E27FC236}">
+                <a16:creationId xmlns:a16="http://schemas.microsoft.com/office/drawing/2014/main" id="{88DF955C-3633-BC92-A42D-3319F986F348}"/>
+              </a:ext>
+            </a:extLst>
+          </p:cNvPr>
+          <p:cNvSpPr txBox="1"/>
+          <p:nvPr/>
+        </p:nvSpPr>
+        <p:spPr>
+          <a:xfrm>
+            <a:off x="11142849" y="2457412"/>
+            <a:ext cx="816358" cy="230832"/>
+          </a:xfrm>
+          <a:prstGeom prst="rect">
+            <a:avLst/>
+          </a:prstGeom>
+          <a:noFill/>
+        </p:spPr>
+        <p:txBody>
+          <a:bodyPr wrap="square" rtlCol="0">
+            <a:spAutoFit/>
+          </a:bodyPr>
+          <a:lstStyle/>
+          <a:p>
+            <a:r>
+              <a:rPr lang="fr-CH" sz="900" dirty="0">
+                <a:solidFill>
+                  <a:srgbClr val="FF0000"/>
+                </a:solidFill>
+              </a:rPr>
+              <a:t>7</a:t>
+            </a:r>
+          </a:p>
+        </p:txBody>
+      </p:sp>
+      <p:sp>
+        <p:nvSpPr>
+          <p:cNvPr id="129" name="ZoneTexte 128">
+            <a:extLst>
+              <a:ext uri="{FF2B5EF4-FFF2-40B4-BE49-F238E27FC236}">
+                <a16:creationId xmlns:a16="http://schemas.microsoft.com/office/drawing/2014/main" id="{69935D39-C00D-E4B0-F760-87E54E78D683}"/>
+              </a:ext>
+            </a:extLst>
+          </p:cNvPr>
+          <p:cNvSpPr txBox="1"/>
+          <p:nvPr/>
+        </p:nvSpPr>
+        <p:spPr>
+          <a:xfrm>
+            <a:off x="11111108" y="3196179"/>
+            <a:ext cx="627797" cy="230832"/>
+          </a:xfrm>
+          <a:prstGeom prst="rect">
+            <a:avLst/>
+          </a:prstGeom>
+          <a:noFill/>
+        </p:spPr>
+        <p:txBody>
+          <a:bodyPr wrap="square" rtlCol="0">
+            <a:spAutoFit/>
+          </a:bodyPr>
+          <a:lstStyle/>
+          <a:p>
+            <a:r>
+              <a:rPr lang="fr-CH" sz="900" dirty="0">
+                <a:solidFill>
+                  <a:srgbClr val="FF0000"/>
+                </a:solidFill>
+              </a:rPr>
+              <a:t>13</a:t>
+            </a:r>
+          </a:p>
+        </p:txBody>
+      </p:sp>
+      <p:sp>
+        <p:nvSpPr>
+          <p:cNvPr id="130" name="ZoneTexte 129">
+            <a:extLst>
+              <a:ext uri="{FF2B5EF4-FFF2-40B4-BE49-F238E27FC236}">
+                <a16:creationId xmlns:a16="http://schemas.microsoft.com/office/drawing/2014/main" id="{1A9F700E-8DAD-C27B-14A8-D66D379AEC70}"/>
+              </a:ext>
+            </a:extLst>
+          </p:cNvPr>
+          <p:cNvSpPr txBox="1"/>
+          <p:nvPr/>
+        </p:nvSpPr>
+        <p:spPr>
+          <a:xfrm>
+            <a:off x="11111108" y="3934946"/>
+            <a:ext cx="659537" cy="230832"/>
+          </a:xfrm>
+          <a:prstGeom prst="rect">
+            <a:avLst/>
+          </a:prstGeom>
+          <a:noFill/>
+        </p:spPr>
+        <p:txBody>
+          <a:bodyPr wrap="square" rtlCol="0">
+            <a:spAutoFit/>
+          </a:bodyPr>
+          <a:lstStyle/>
+          <a:p>
+            <a:r>
+              <a:rPr lang="fr-CH" sz="900" dirty="0">
+                <a:solidFill>
+                  <a:srgbClr val="FF0000"/>
+                </a:solidFill>
+              </a:rPr>
+              <a:t>19</a:t>
+            </a:r>
+          </a:p>
+        </p:txBody>
+      </p:sp>
+      <p:sp>
+        <p:nvSpPr>
+          <p:cNvPr id="131" name="ZoneTexte 130">
+            <a:extLst>
+              <a:ext uri="{FF2B5EF4-FFF2-40B4-BE49-F238E27FC236}">
+                <a16:creationId xmlns:a16="http://schemas.microsoft.com/office/drawing/2014/main" id="{D502C339-2D29-B05C-269F-457B81F4413F}"/>
+              </a:ext>
+            </a:extLst>
+          </p:cNvPr>
+          <p:cNvSpPr txBox="1"/>
+          <p:nvPr/>
+        </p:nvSpPr>
+        <p:spPr>
+          <a:xfrm>
+            <a:off x="7385531" y="1642264"/>
+            <a:ext cx="627797" cy="230832"/>
+          </a:xfrm>
+          <a:prstGeom prst="rect">
+            <a:avLst/>
+          </a:prstGeom>
+          <a:noFill/>
+        </p:spPr>
+        <p:txBody>
+          <a:bodyPr wrap="square" rtlCol="0">
+            <a:spAutoFit/>
+          </a:bodyPr>
+          <a:lstStyle/>
+          <a:p>
+            <a:r>
+              <a:rPr lang="fr-CH" sz="900" dirty="0">
+                <a:solidFill>
+                  <a:srgbClr val="FF0000"/>
+                </a:solidFill>
+              </a:rPr>
+              <a:t>1</a:t>
+            </a:r>
+          </a:p>
+        </p:txBody>
+      </p:sp>
+      <p:sp>
+        <p:nvSpPr>
+          <p:cNvPr id="132" name="ZoneTexte 131">
+            <a:extLst>
+              <a:ext uri="{FF2B5EF4-FFF2-40B4-BE49-F238E27FC236}">
+                <a16:creationId xmlns:a16="http://schemas.microsoft.com/office/drawing/2014/main" id="{CB43D816-2EC1-4649-34F3-A3A18AE1362E}"/>
+              </a:ext>
+            </a:extLst>
+          </p:cNvPr>
+          <p:cNvSpPr txBox="1"/>
+          <p:nvPr/>
+        </p:nvSpPr>
+        <p:spPr>
+          <a:xfrm>
+            <a:off x="7353789" y="2381031"/>
+            <a:ext cx="627797" cy="230832"/>
+          </a:xfrm>
+          <a:prstGeom prst="rect">
+            <a:avLst/>
+          </a:prstGeom>
+          <a:noFill/>
+        </p:spPr>
+        <p:txBody>
+          <a:bodyPr wrap="square" rtlCol="0">
+            <a:spAutoFit/>
+          </a:bodyPr>
+          <a:lstStyle/>
+          <a:p>
+            <a:r>
+              <a:rPr lang="fr-CH" sz="900" dirty="0">
+                <a:solidFill>
+                  <a:srgbClr val="FF0000"/>
+                </a:solidFill>
+              </a:rPr>
+              <a:t>9</a:t>
+            </a:r>
+          </a:p>
+        </p:txBody>
+      </p:sp>
+      <p:sp>
+        <p:nvSpPr>
+          <p:cNvPr id="133" name="ZoneTexte 132">
+            <a:extLst>
+              <a:ext uri="{FF2B5EF4-FFF2-40B4-BE49-F238E27FC236}">
+                <a16:creationId xmlns:a16="http://schemas.microsoft.com/office/drawing/2014/main" id="{B2F80AAE-E4F2-F124-B1C5-57EF0717C91E}"/>
+              </a:ext>
+            </a:extLst>
+          </p:cNvPr>
+          <p:cNvSpPr txBox="1"/>
+          <p:nvPr/>
+        </p:nvSpPr>
+        <p:spPr>
+          <a:xfrm>
+            <a:off x="7353790" y="3119798"/>
+            <a:ext cx="627797" cy="230832"/>
+          </a:xfrm>
+          <a:prstGeom prst="rect">
+            <a:avLst/>
+          </a:prstGeom>
+          <a:noFill/>
+        </p:spPr>
+        <p:txBody>
+          <a:bodyPr wrap="square" rtlCol="0">
+            <a:spAutoFit/>
+          </a:bodyPr>
+          <a:lstStyle/>
+          <a:p>
+            <a:r>
+              <a:rPr lang="fr-CH" sz="900" dirty="0">
+                <a:solidFill>
+                  <a:srgbClr val="FF0000"/>
+                </a:solidFill>
+              </a:rPr>
+              <a:t>17</a:t>
+            </a:r>
+          </a:p>
+        </p:txBody>
+      </p:sp>
+      <p:sp>
+        <p:nvSpPr>
+          <p:cNvPr id="134" name="ZoneTexte 133">
+            <a:extLst>
+              <a:ext uri="{FF2B5EF4-FFF2-40B4-BE49-F238E27FC236}">
+                <a16:creationId xmlns:a16="http://schemas.microsoft.com/office/drawing/2014/main" id="{CCE0E38B-661F-4063-5DEF-EFB278618E6E}"/>
+              </a:ext>
+            </a:extLst>
+          </p:cNvPr>
+          <p:cNvSpPr txBox="1"/>
+          <p:nvPr/>
+        </p:nvSpPr>
+        <p:spPr>
+          <a:xfrm>
+            <a:off x="7385530" y="3858565"/>
+            <a:ext cx="627797" cy="230832"/>
+          </a:xfrm>
+          <a:prstGeom prst="rect">
+            <a:avLst/>
+          </a:prstGeom>
+          <a:noFill/>
+        </p:spPr>
+        <p:txBody>
+          <a:bodyPr wrap="square" rtlCol="0">
+            <a:spAutoFit/>
+          </a:bodyPr>
+          <a:lstStyle/>
+          <a:p>
+            <a:r>
+              <a:rPr lang="fr-CH" sz="900" dirty="0">
+                <a:solidFill>
+                  <a:srgbClr val="FF0000"/>
+                </a:solidFill>
+              </a:rPr>
+              <a:t>24</a:t>
+            </a:r>
+          </a:p>
+        </p:txBody>
+      </p:sp>
+      <p:sp>
+        <p:nvSpPr>
+          <p:cNvPr id="135" name="ZoneTexte 134">
+            <a:extLst>
+              <a:ext uri="{FF2B5EF4-FFF2-40B4-BE49-F238E27FC236}">
+                <a16:creationId xmlns:a16="http://schemas.microsoft.com/office/drawing/2014/main" id="{A6D7990F-FB3E-EED1-3A12-48EB4686D633}"/>
+              </a:ext>
+            </a:extLst>
+          </p:cNvPr>
+          <p:cNvSpPr txBox="1"/>
+          <p:nvPr/>
+        </p:nvSpPr>
+        <p:spPr>
+          <a:xfrm>
+            <a:off x="7353789" y="4712989"/>
+            <a:ext cx="627797" cy="230832"/>
+          </a:xfrm>
+          <a:prstGeom prst="rect">
+            <a:avLst/>
+          </a:prstGeom>
+          <a:noFill/>
+        </p:spPr>
+        <p:txBody>
+          <a:bodyPr wrap="square" rtlCol="0">
+            <a:spAutoFit/>
+          </a:bodyPr>
+          <a:lstStyle/>
+          <a:p>
+            <a:r>
+              <a:rPr lang="fr-CH" sz="900" dirty="0">
+                <a:solidFill>
+                  <a:srgbClr val="FF0000"/>
+                </a:solidFill>
+              </a:rPr>
+              <a:t>28</a:t>
+            </a:r>
+          </a:p>
+        </p:txBody>
+      </p:sp>
+      <p:sp>
+        <p:nvSpPr>
+          <p:cNvPr id="136" name="ZoneTexte 135">
+            <a:extLst>
+              <a:ext uri="{FF2B5EF4-FFF2-40B4-BE49-F238E27FC236}">
+                <a16:creationId xmlns:a16="http://schemas.microsoft.com/office/drawing/2014/main" id="{399C8446-F3B7-B4EB-40DE-C4E1DB252347}"/>
+              </a:ext>
+            </a:extLst>
+          </p:cNvPr>
+          <p:cNvSpPr txBox="1"/>
+          <p:nvPr/>
+        </p:nvSpPr>
+        <p:spPr>
+          <a:xfrm>
+            <a:off x="6566275" y="4897655"/>
+            <a:ext cx="734667" cy="230832"/>
+          </a:xfrm>
+          <a:prstGeom prst="rect">
+            <a:avLst/>
+          </a:prstGeom>
+          <a:noFill/>
+        </p:spPr>
+        <p:txBody>
+          <a:bodyPr wrap="square" rtlCol="0">
+            <a:spAutoFit/>
+          </a:bodyPr>
+          <a:lstStyle/>
+          <a:p>
+            <a:r>
+              <a:rPr lang="fr-CH" sz="900" dirty="0">
+                <a:solidFill>
+                  <a:srgbClr val="FF0000"/>
+                </a:solidFill>
+              </a:rPr>
+              <a:t>29</a:t>
+            </a:r>
+          </a:p>
+        </p:txBody>
+      </p:sp>
+      <p:sp>
+        <p:nvSpPr>
+          <p:cNvPr id="137" name="ZoneTexte 136">
+            <a:extLst>
+              <a:ext uri="{FF2B5EF4-FFF2-40B4-BE49-F238E27FC236}">
+                <a16:creationId xmlns:a16="http://schemas.microsoft.com/office/drawing/2014/main" id="{C325C2E3-7603-3D15-F6C8-51FDDDC7E7F3}"/>
+              </a:ext>
+            </a:extLst>
+          </p:cNvPr>
+          <p:cNvSpPr txBox="1"/>
+          <p:nvPr/>
+        </p:nvSpPr>
+        <p:spPr>
+          <a:xfrm>
+            <a:off x="6600202" y="4045414"/>
+            <a:ext cx="554454" cy="230832"/>
+          </a:xfrm>
+          <a:prstGeom prst="rect">
+            <a:avLst/>
+          </a:prstGeom>
+          <a:solidFill>
+            <a:srgbClr val="D9D9D9">
+              <a:alpha val="54118"/>
+            </a:srgbClr>
+          </a:solidFill>
+        </p:spPr>
+        <p:txBody>
+          <a:bodyPr wrap="square" rtlCol="0">
+            <a:spAutoFit/>
+          </a:bodyPr>
+          <a:lstStyle/>
+          <a:p>
+            <a:r>
+              <a:rPr lang="fr-CH" sz="900" dirty="0">
+                <a:solidFill>
+                  <a:srgbClr val="FF0000"/>
+                </a:solidFill>
+              </a:rPr>
+              <a:t>30</a:t>
+            </a:r>
+          </a:p>
+        </p:txBody>
+      </p:sp>
+      <p:sp>
+        <p:nvSpPr>
+          <p:cNvPr id="138" name="ZoneTexte 137">
+            <a:extLst>
+              <a:ext uri="{FF2B5EF4-FFF2-40B4-BE49-F238E27FC236}">
+                <a16:creationId xmlns:a16="http://schemas.microsoft.com/office/drawing/2014/main" id="{502ADF3C-14E0-656B-2FFB-836704A31EB0}"/>
+              </a:ext>
+            </a:extLst>
+          </p:cNvPr>
+          <p:cNvSpPr txBox="1"/>
+          <p:nvPr/>
+        </p:nvSpPr>
+        <p:spPr>
+          <a:xfrm>
+            <a:off x="4881090" y="4013818"/>
+            <a:ext cx="473065" cy="230832"/>
+          </a:xfrm>
+          <a:prstGeom prst="rect">
+            <a:avLst/>
+          </a:prstGeom>
+          <a:solidFill>
+            <a:srgbClr val="D9D9D9">
+              <a:alpha val="54118"/>
+            </a:srgbClr>
+          </a:solidFill>
+        </p:spPr>
+        <p:txBody>
+          <a:bodyPr wrap="square" rtlCol="0">
+            <a:spAutoFit/>
+          </a:bodyPr>
+          <a:lstStyle/>
+          <a:p>
+            <a:r>
+              <a:rPr lang="fr-CH" sz="900" dirty="0">
+                <a:solidFill>
+                  <a:srgbClr val="FF0000"/>
+                </a:solidFill>
+              </a:rPr>
+              <a:t>30</a:t>
+            </a:r>
+          </a:p>
+        </p:txBody>
+      </p:sp>
+    </p:spTree>
+    <p:extLst>
+      <p:ext uri="{BB962C8B-B14F-4D97-AF65-F5344CB8AC3E}">
+        <p14:creationId xmlns:p14="http://schemas.microsoft.com/office/powerpoint/2010/main" val="2301549066"/>
       </p:ext>
     </p:extLst>
   </p:cSld>

--- a/Layout/PMK01_Layout.pptx
+++ b/Layout/PMK01_Layout.pptx
@@ -265,7 +265,7 @@
           <a:p>
             <a:fld id="{EF74D64E-7CBF-445C-8CD4-1195CDF2BDFB}" type="datetimeFigureOut">
               <a:rPr lang="fr-CH" smtClean="0"/>
-              <a:t>30.07.2024</a:t>
+              <a:t>08.09.2024</a:t>
             </a:fld>
             <a:endParaRPr lang="fr-CH"/>
           </a:p>
@@ -319,7 +319,7 @@
           <a:p>
             <a:fld id="{01E72BC7-7879-4BB3-A95F-115B99B38BBE}" type="slidenum">
               <a:rPr lang="fr-CH" smtClean="0"/>
-              <a:t>‹N°›</a:t>
+              <a:t>‹#›</a:t>
             </a:fld>
             <a:endParaRPr lang="fr-CH"/>
           </a:p>
@@ -465,7 +465,7 @@
           <a:p>
             <a:fld id="{EF74D64E-7CBF-445C-8CD4-1195CDF2BDFB}" type="datetimeFigureOut">
               <a:rPr lang="fr-CH" smtClean="0"/>
-              <a:t>30.07.2024</a:t>
+              <a:t>08.09.2024</a:t>
             </a:fld>
             <a:endParaRPr lang="fr-CH"/>
           </a:p>
@@ -519,7 +519,7 @@
           <a:p>
             <a:fld id="{01E72BC7-7879-4BB3-A95F-115B99B38BBE}" type="slidenum">
               <a:rPr lang="fr-CH" smtClean="0"/>
-              <a:t>‹N°›</a:t>
+              <a:t>‹#›</a:t>
             </a:fld>
             <a:endParaRPr lang="fr-CH"/>
           </a:p>
@@ -675,7 +675,7 @@
           <a:p>
             <a:fld id="{EF74D64E-7CBF-445C-8CD4-1195CDF2BDFB}" type="datetimeFigureOut">
               <a:rPr lang="fr-CH" smtClean="0"/>
-              <a:t>30.07.2024</a:t>
+              <a:t>08.09.2024</a:t>
             </a:fld>
             <a:endParaRPr lang="fr-CH"/>
           </a:p>
@@ -729,7 +729,7 @@
           <a:p>
             <a:fld id="{01E72BC7-7879-4BB3-A95F-115B99B38BBE}" type="slidenum">
               <a:rPr lang="fr-CH" smtClean="0"/>
-              <a:t>‹N°›</a:t>
+              <a:t>‹#›</a:t>
             </a:fld>
             <a:endParaRPr lang="fr-CH"/>
           </a:p>
@@ -875,7 +875,7 @@
           <a:p>
             <a:fld id="{EF74D64E-7CBF-445C-8CD4-1195CDF2BDFB}" type="datetimeFigureOut">
               <a:rPr lang="fr-CH" smtClean="0"/>
-              <a:t>30.07.2024</a:t>
+              <a:t>08.09.2024</a:t>
             </a:fld>
             <a:endParaRPr lang="fr-CH"/>
           </a:p>
@@ -929,7 +929,7 @@
           <a:p>
             <a:fld id="{01E72BC7-7879-4BB3-A95F-115B99B38BBE}" type="slidenum">
               <a:rPr lang="fr-CH" smtClean="0"/>
-              <a:t>‹N°›</a:t>
+              <a:t>‹#›</a:t>
             </a:fld>
             <a:endParaRPr lang="fr-CH"/>
           </a:p>
@@ -1151,7 +1151,7 @@
           <a:p>
             <a:fld id="{EF74D64E-7CBF-445C-8CD4-1195CDF2BDFB}" type="datetimeFigureOut">
               <a:rPr lang="fr-CH" smtClean="0"/>
-              <a:t>30.07.2024</a:t>
+              <a:t>08.09.2024</a:t>
             </a:fld>
             <a:endParaRPr lang="fr-CH"/>
           </a:p>
@@ -1205,7 +1205,7 @@
           <a:p>
             <a:fld id="{01E72BC7-7879-4BB3-A95F-115B99B38BBE}" type="slidenum">
               <a:rPr lang="fr-CH" smtClean="0"/>
-              <a:t>‹N°›</a:t>
+              <a:t>‹#›</a:t>
             </a:fld>
             <a:endParaRPr lang="fr-CH"/>
           </a:p>
@@ -1419,7 +1419,7 @@
           <a:p>
             <a:fld id="{EF74D64E-7CBF-445C-8CD4-1195CDF2BDFB}" type="datetimeFigureOut">
               <a:rPr lang="fr-CH" smtClean="0"/>
-              <a:t>30.07.2024</a:t>
+              <a:t>08.09.2024</a:t>
             </a:fld>
             <a:endParaRPr lang="fr-CH"/>
           </a:p>
@@ -1473,7 +1473,7 @@
           <a:p>
             <a:fld id="{01E72BC7-7879-4BB3-A95F-115B99B38BBE}" type="slidenum">
               <a:rPr lang="fr-CH" smtClean="0"/>
-              <a:t>‹N°›</a:t>
+              <a:t>‹#›</a:t>
             </a:fld>
             <a:endParaRPr lang="fr-CH"/>
           </a:p>
@@ -1834,7 +1834,7 @@
           <a:p>
             <a:fld id="{EF74D64E-7CBF-445C-8CD4-1195CDF2BDFB}" type="datetimeFigureOut">
               <a:rPr lang="fr-CH" smtClean="0"/>
-              <a:t>30.07.2024</a:t>
+              <a:t>08.09.2024</a:t>
             </a:fld>
             <a:endParaRPr lang="fr-CH"/>
           </a:p>
@@ -1888,7 +1888,7 @@
           <a:p>
             <a:fld id="{01E72BC7-7879-4BB3-A95F-115B99B38BBE}" type="slidenum">
               <a:rPr lang="fr-CH" smtClean="0"/>
-              <a:t>‹N°›</a:t>
+              <a:t>‹#›</a:t>
             </a:fld>
             <a:endParaRPr lang="fr-CH"/>
           </a:p>
@@ -1976,7 +1976,7 @@
           <a:p>
             <a:fld id="{EF74D64E-7CBF-445C-8CD4-1195CDF2BDFB}" type="datetimeFigureOut">
               <a:rPr lang="fr-CH" smtClean="0"/>
-              <a:t>30.07.2024</a:t>
+              <a:t>08.09.2024</a:t>
             </a:fld>
             <a:endParaRPr lang="fr-CH"/>
           </a:p>
@@ -2030,7 +2030,7 @@
           <a:p>
             <a:fld id="{01E72BC7-7879-4BB3-A95F-115B99B38BBE}" type="slidenum">
               <a:rPr lang="fr-CH" smtClean="0"/>
-              <a:t>‹N°›</a:t>
+              <a:t>‹#›</a:t>
             </a:fld>
             <a:endParaRPr lang="fr-CH"/>
           </a:p>
@@ -2089,7 +2089,7 @@
           <a:p>
             <a:fld id="{EF74D64E-7CBF-445C-8CD4-1195CDF2BDFB}" type="datetimeFigureOut">
               <a:rPr lang="fr-CH" smtClean="0"/>
-              <a:t>30.07.2024</a:t>
+              <a:t>08.09.2024</a:t>
             </a:fld>
             <a:endParaRPr lang="fr-CH"/>
           </a:p>
@@ -2143,7 +2143,7 @@
           <a:p>
             <a:fld id="{01E72BC7-7879-4BB3-A95F-115B99B38BBE}" type="slidenum">
               <a:rPr lang="fr-CH" smtClean="0"/>
-              <a:t>‹N°›</a:t>
+              <a:t>‹#›</a:t>
             </a:fld>
             <a:endParaRPr lang="fr-CH"/>
           </a:p>
@@ -2402,7 +2402,7 @@
           <a:p>
             <a:fld id="{EF74D64E-7CBF-445C-8CD4-1195CDF2BDFB}" type="datetimeFigureOut">
               <a:rPr lang="fr-CH" smtClean="0"/>
-              <a:t>30.07.2024</a:t>
+              <a:t>08.09.2024</a:t>
             </a:fld>
             <a:endParaRPr lang="fr-CH"/>
           </a:p>
@@ -2456,7 +2456,7 @@
           <a:p>
             <a:fld id="{01E72BC7-7879-4BB3-A95F-115B99B38BBE}" type="slidenum">
               <a:rPr lang="fr-CH" smtClean="0"/>
-              <a:t>‹N°›</a:t>
+              <a:t>‹#›</a:t>
             </a:fld>
             <a:endParaRPr lang="fr-CH"/>
           </a:p>
@@ -2691,7 +2691,7 @@
           <a:p>
             <a:fld id="{EF74D64E-7CBF-445C-8CD4-1195CDF2BDFB}" type="datetimeFigureOut">
               <a:rPr lang="fr-CH" smtClean="0"/>
-              <a:t>30.07.2024</a:t>
+              <a:t>08.09.2024</a:t>
             </a:fld>
             <a:endParaRPr lang="fr-CH"/>
           </a:p>
@@ -2745,7 +2745,7 @@
           <a:p>
             <a:fld id="{01E72BC7-7879-4BB3-A95F-115B99B38BBE}" type="slidenum">
               <a:rPr lang="fr-CH" smtClean="0"/>
-              <a:t>‹N°›</a:t>
+              <a:t>‹#›</a:t>
             </a:fld>
             <a:endParaRPr lang="fr-CH"/>
           </a:p>
@@ -2934,7 +2934,7 @@
           <a:p>
             <a:fld id="{EF74D64E-7CBF-445C-8CD4-1195CDF2BDFB}" type="datetimeFigureOut">
               <a:rPr lang="fr-CH" smtClean="0"/>
-              <a:t>30.07.2024</a:t>
+              <a:t>08.09.2024</a:t>
             </a:fld>
             <a:endParaRPr lang="fr-CH"/>
           </a:p>
@@ -3024,7 +3024,7 @@
           <a:p>
             <a:fld id="{01E72BC7-7879-4BB3-A95F-115B99B38BBE}" type="slidenum">
               <a:rPr lang="fr-CH" smtClean="0"/>
-              <a:t>‹N°›</a:t>
+              <a:t>‹#›</a:t>
             </a:fld>
             <a:endParaRPr lang="fr-CH"/>
           </a:p>
@@ -12959,7 +12959,7 @@
           <a:p>
             <a:r>
               <a:rPr lang="fr-CH" dirty="0"/>
-              <a:t>Esc</a:t>
+              <a:t>§°</a:t>
             </a:r>
           </a:p>
         </p:txBody>
@@ -13203,9 +13203,10 @@
           <a:lstStyle/>
           <a:p>
             <a:r>
-              <a:rPr lang="fr-CH" dirty="0"/>
-              <a:t>y</a:t>
-            </a:r>
+              <a:rPr lang="en-US" dirty="0"/>
+              <a:t>&lt;</a:t>
+            </a:r>
+            <a:endParaRPr lang="fr-CH" dirty="0"/>
           </a:p>
         </p:txBody>
       </p:sp>
@@ -14253,8 +14254,12 @@
           <a:lstStyle/>
           <a:p>
             <a:r>
+              <a:rPr lang="en-US" dirty="0"/>
+              <a:t>‘</a:t>
+            </a:r>
+            <a:r>
               <a:rPr lang="fr-CH" dirty="0"/>
-              <a:t>9</a:t>
+              <a:t>?</a:t>
             </a:r>
           </a:p>
         </p:txBody>
@@ -14498,8 +14503,12 @@
           <a:lstStyle/>
           <a:p>
             <a:r>
+              <a:rPr lang="en-US" dirty="0"/>
+              <a:t>^</a:t>
+            </a:r>
+            <a:r>
               <a:rPr lang="fr-CH" dirty="0"/>
-              <a:t>0</a:t>
+              <a:t>`~</a:t>
             </a:r>
           </a:p>
         </p:txBody>
@@ -14533,8 +14542,12 @@
           <a:lstStyle/>
           <a:p>
             <a:r>
+              <a:rPr lang="en-US" dirty="0"/>
+              <a:t>è</a:t>
+            </a:r>
+            <a:r>
               <a:rPr lang="fr-CH" dirty="0"/>
-              <a:t>p</a:t>
+              <a:t>[</a:t>
             </a:r>
           </a:p>
         </p:txBody>
@@ -14568,8 +14581,12 @@
           <a:lstStyle/>
           <a:p>
             <a:r>
+              <a:rPr lang="en-US" dirty="0"/>
+              <a:t>à</a:t>
+            </a:r>
+            <a:r>
               <a:rPr lang="fr-CH" dirty="0"/>
-              <a:t>é</a:t>
+              <a:t>{</a:t>
             </a:r>
           </a:p>
         </p:txBody>
@@ -14674,7 +14691,7 @@
           <a:p>
             <a:r>
               <a:rPr lang="fr-CH" dirty="0"/>
-              <a:t>Suppr</a:t>
+              <a:t>¨]!</a:t>
             </a:r>
           </a:p>
         </p:txBody>
@@ -14708,8 +14725,12 @@
           <a:lstStyle/>
           <a:p>
             <a:r>
+              <a:rPr lang="en-US" dirty="0"/>
+              <a:t>$</a:t>
+            </a:r>
+            <a:r>
               <a:rPr lang="fr-CH" dirty="0"/>
-              <a:t>à</a:t>
+              <a:t>}</a:t>
             </a:r>
           </a:p>
         </p:txBody>
